--- a/Linux_SCOM_OMS.PPTX
+++ b/Linux_SCOM_OMS.PPTX
@@ -30,10 +30,10 @@
     <p:sldId id="309" r:id="rId21"/>
     <p:sldId id="303" r:id="rId22"/>
     <p:sldId id="265" r:id="rId23"/>
-    <p:sldId id="310" r:id="rId24"/>
-    <p:sldId id="307" r:id="rId25"/>
-    <p:sldId id="306" r:id="rId26"/>
-    <p:sldId id="305" r:id="rId27"/>
+    <p:sldId id="305" r:id="rId24"/>
+    <p:sldId id="310" r:id="rId25"/>
+    <p:sldId id="307" r:id="rId26"/>
+    <p:sldId id="306" r:id="rId27"/>
     <p:sldId id="278" r:id="rId28"/>
     <p:sldId id="300" r:id="rId29"/>
     <p:sldId id="308" r:id="rId30"/>
@@ -2864,8 +2864,8 @@
     <dgm:cxn modelId="{D51D755C-BA0A-416E-B33F-87ECF8082163}" type="presOf" srcId="{9E248FDE-AC13-48BB-AF9D-81179A093DCE}" destId="{3C761307-ADCF-45AC-A53D-544CB5791076}" srcOrd="0" destOrd="2" presId="urn:microsoft.com/office/officeart/2005/8/layout/vList5"/>
     <dgm:cxn modelId="{BBC9EF31-9120-428F-B64D-547722746F0B}" type="presOf" srcId="{9314D123-1AB8-4AB3-B60A-B7E33814937A}" destId="{9BD3ECB9-8252-4F31-BF5C-53532331C0F8}" srcOrd="0" destOrd="1" presId="urn:microsoft.com/office/officeart/2005/8/layout/vList5"/>
     <dgm:cxn modelId="{E2787FCD-6925-4E8B-8A88-D18C12833DE8}" srcId="{DBF072CD-7068-4380-8B99-EED55CD53090}" destId="{9A5706BC-7F46-476F-8202-2CD6B4652B97}" srcOrd="2" destOrd="0" parTransId="{CDB13023-7CAC-4911-A12E-749A649A8054}" sibTransId="{C7B0EEC8-578D-4752-93D8-6BD54B032854}"/>
+    <dgm:cxn modelId="{B130357D-81B0-49A7-9FA6-C5BBB6297C3F}" type="presOf" srcId="{2757593B-FF11-4A1A-8AC6-8421A0362F23}" destId="{05B8B79E-483B-407F-8A42-F76D3FF7EAB1}" srcOrd="0" destOrd="0" presId="urn:microsoft.com/office/officeart/2005/8/layout/vList5"/>
     <dgm:cxn modelId="{6EEF9531-1BC7-4863-9665-5B4276CF8D99}" type="presOf" srcId="{C1A0AD89-74FB-418E-800E-2ED4652C59A8}" destId="{9920C70D-67C2-403C-B333-6F6EC0F2846C}" srcOrd="0" destOrd="1" presId="urn:microsoft.com/office/officeart/2005/8/layout/vList5"/>
-    <dgm:cxn modelId="{B130357D-81B0-49A7-9FA6-C5BBB6297C3F}" type="presOf" srcId="{2757593B-FF11-4A1A-8AC6-8421A0362F23}" destId="{05B8B79E-483B-407F-8A42-F76D3FF7EAB1}" srcOrd="0" destOrd="0" presId="urn:microsoft.com/office/officeart/2005/8/layout/vList5"/>
     <dgm:cxn modelId="{6FE20846-AF8B-4C67-92AC-B12FD70E2CDB}" type="presParOf" srcId="{6DFE7DD3-426F-411D-A504-226BEE58DAD7}" destId="{4228B38C-7F42-4365-AFBE-97B37E9328E2}" srcOrd="0" destOrd="0" presId="urn:microsoft.com/office/officeart/2005/8/layout/vList5"/>
     <dgm:cxn modelId="{AAC0A22A-6747-4257-A3AE-E68F49317B06}" type="presParOf" srcId="{4228B38C-7F42-4365-AFBE-97B37E9328E2}" destId="{05B8B79E-483B-407F-8A42-F76D3FF7EAB1}" srcOrd="0" destOrd="0" presId="urn:microsoft.com/office/officeart/2005/8/layout/vList5"/>
     <dgm:cxn modelId="{2995E58D-40FC-4F59-86B6-F82B3DF9F666}" type="presParOf" srcId="{4228B38C-7F42-4365-AFBE-97B37E9328E2}" destId="{3C761307-ADCF-45AC-A53D-544CB5791076}" srcOrd="1" destOrd="0" presId="urn:microsoft.com/office/officeart/2005/8/layout/vList5"/>
@@ -7271,98 +7271,7 @@
           <a:bodyPr/>
           <a:lstStyle/>
           <a:p>
-            <a:r>
-              <a:rPr lang="en-US" dirty="0"/>
-              <a:t>So there are</a:t>
-            </a:r>
-            <a:r>
-              <a:rPr lang="en-US" baseline="0" dirty="0"/>
-              <a:t> the following distributions supported.</a:t>
-            </a:r>
-          </a:p>
-          <a:p>
             <a:endParaRPr lang="en-US" baseline="0" dirty="0"/>
-          </a:p>
-          <a:p>
-            <a:r>
-              <a:rPr lang="en-US" baseline="0" dirty="0"/>
-              <a:t>Out of the box the MP’s will collect CPU performance, memory statistic, disk performance / availability (free space and </a:t>
-            </a:r>
-            <a:r>
-              <a:rPr lang="en-US" baseline="0" dirty="0" err="1"/>
-              <a:t>inode</a:t>
-            </a:r>
-            <a:r>
-              <a:rPr lang="en-US" baseline="0" dirty="0"/>
-              <a:t>) information, network statistics, running processes and of course certain </a:t>
-            </a:r>
-            <a:r>
-              <a:rPr lang="en-US" baseline="0" dirty="0" err="1"/>
-              <a:t>logfiles</a:t>
-            </a:r>
-            <a:r>
-              <a:rPr lang="en-US" baseline="0" dirty="0"/>
-              <a:t> will be monitored.</a:t>
-            </a:r>
-          </a:p>
-          <a:p>
-            <a:endParaRPr lang="en-US" baseline="0" dirty="0"/>
-          </a:p>
-          <a:p>
-            <a:r>
-              <a:rPr lang="en-US" baseline="0" dirty="0"/>
-              <a:t>If this is not enough you are able to use built-in templates which are very easy to use without any authoring for custom log file monitoring to parse certain for certain expressions using Regex. Or process monitoring processes or daemons how many instances are running, and setting certain thresholds if these exceed the minimum or maximum count. In then there are command line rules and monitors where you can provide a shell command and it will execute it on the agent. You could also just use this command to execute a script on the agent and returning the result to the monitor or rule.</a:t>
-            </a:r>
-          </a:p>
-          <a:p>
-            <a:endParaRPr lang="en-US" baseline="0" dirty="0"/>
-          </a:p>
-          <a:p>
-            <a:r>
-              <a:rPr lang="en-US" baseline="0" dirty="0"/>
-              <a:t>Since SCOM 2012 we are capable of monitoring JEE Java Enterprise application servers like Tomcat, </a:t>
-            </a:r>
-            <a:r>
-              <a:rPr lang="en-US" baseline="0" dirty="0" err="1"/>
-              <a:t>Weblogic</a:t>
-            </a:r>
-            <a:r>
-              <a:rPr lang="en-US" baseline="0" dirty="0"/>
-              <a:t>, </a:t>
-            </a:r>
-            <a:r>
-              <a:rPr lang="en-US" baseline="0" dirty="0" err="1"/>
-              <a:t>JBoss</a:t>
-            </a:r>
-            <a:r>
-              <a:rPr lang="en-US" baseline="0" dirty="0"/>
-              <a:t> and IBM </a:t>
-            </a:r>
-            <a:r>
-              <a:rPr lang="en-US" baseline="0" dirty="0" err="1"/>
-              <a:t>Websphere</a:t>
-            </a:r>
-            <a:r>
-              <a:rPr lang="en-US" baseline="0" dirty="0"/>
-              <a:t>. There two kind of monitoring states like the basic monitoring which discovers essential components that could be candidates for deep monitoring where we get very detailed </a:t>
-            </a:r>
-            <a:r>
-              <a:rPr lang="en-US" baseline="0" dirty="0" err="1"/>
-              <a:t>infos</a:t>
-            </a:r>
-            <a:r>
-              <a:rPr lang="en-US" baseline="0" dirty="0"/>
-              <a:t> about JVM memory, garbage collector etc.</a:t>
-            </a:r>
-          </a:p>
-          <a:p>
-            <a:endParaRPr lang="en-US" baseline="0" dirty="0"/>
-          </a:p>
-          <a:p>
-            <a:r>
-              <a:rPr lang="en-US" baseline="0" dirty="0"/>
-              <a:t>So this is the stack which is available today. Since SCOM 2016 TP2 you are able to monitor Apache.</a:t>
-            </a:r>
           </a:p>
         </p:txBody>
       </p:sp>
@@ -7446,50 +7355,10 @@
           <a:bodyPr/>
           <a:lstStyle/>
           <a:p>
-            <a:pPr marL="181240" indent="-181240">
+            <a:pPr marL="0" indent="0">
               <a:buFont typeface="Arial" panose="020B0604020202020204" pitchFamily="34" charset="0"/>
-              <a:buChar char="•"/>
+              <a:buNone/>
             </a:pPr>
-            <a:r>
-              <a:rPr lang="en-US" dirty="0"/>
-              <a:t>Apache</a:t>
-            </a:r>
-            <a:r>
-              <a:rPr lang="en-US" baseline="0" dirty="0"/>
-              <a:t> can be </a:t>
-            </a:r>
-            <a:r>
-              <a:rPr lang="en-US" baseline="0" dirty="0" err="1"/>
-              <a:t>extendend</a:t>
-            </a:r>
-            <a:r>
-              <a:rPr lang="en-US" baseline="0" dirty="0"/>
-              <a:t> adding modules, and Microsoft has written a </a:t>
-            </a:r>
-            <a:r>
-              <a:rPr lang="en-US" baseline="0" dirty="0" err="1"/>
-              <a:t>cim</a:t>
-            </a:r>
-            <a:r>
-              <a:rPr lang="en-US" baseline="0" dirty="0"/>
-              <a:t> provider which needs to be loaded e.g. through a SCOM task or some </a:t>
-            </a:r>
-            <a:r>
-              <a:rPr lang="en-US" baseline="0"/>
-              <a:t>scripts provided. </a:t>
-            </a:r>
-            <a:r>
-              <a:rPr lang="en-US" baseline="0" dirty="0"/>
-              <a:t>On the agent side the OMI CIM Server will also receive a provider for Apache and this will be installed automatically if Apache server is being discovered. If both providers are installed they will talk in a </a:t>
-            </a:r>
-            <a:r>
-              <a:rPr lang="en-US" baseline="0" dirty="0" err="1"/>
-              <a:t>separat</a:t>
-            </a:r>
-            <a:r>
-              <a:rPr lang="en-US" baseline="0" dirty="0"/>
-              <a:t> shared memory space</a:t>
-            </a:r>
             <a:endParaRPr lang="en-US" dirty="0"/>
           </a:p>
         </p:txBody>
@@ -7668,104 +7537,6 @@
         <p:txBody>
           <a:bodyPr/>
           <a:lstStyle/>
-          <a:p>
-            <a:pPr>
-              <a:buFont typeface="Wingdings" panose="05000000000000000000" pitchFamily="2" charset="2"/>
-              <a:buChar char="§"/>
-            </a:pPr>
-            <a:r>
-              <a:rPr lang="en-US" sz="2100" b="1" dirty="0"/>
-              <a:t>New Apache HTTP Server Management Pack</a:t>
-            </a:r>
-          </a:p>
-          <a:p>
-            <a:pPr lvl="1">
-              <a:buFont typeface="Wingdings" panose="05000000000000000000" pitchFamily="2" charset="2"/>
-              <a:buChar char="§"/>
-            </a:pPr>
-            <a:r>
-              <a:rPr lang="en-US" sz="1900" dirty="0"/>
-              <a:t>Uses Apache Module and OMI Provider</a:t>
-            </a:r>
-          </a:p>
-          <a:p>
-            <a:pPr lvl="1">
-              <a:buFont typeface="Wingdings" panose="05000000000000000000" pitchFamily="2" charset="2"/>
-              <a:buChar char="§"/>
-            </a:pPr>
-            <a:r>
-              <a:rPr lang="en-US" sz="1900" dirty="0"/>
-              <a:t>Module &amp; provider auto-installed with </a:t>
-            </a:r>
-            <a:r>
-              <a:rPr lang="en-US" sz="1900" dirty="0" err="1"/>
-              <a:t>OpsMgr</a:t>
-            </a:r>
-            <a:r>
-              <a:rPr lang="en-US" sz="1900" dirty="0"/>
-              <a:t> agent if Apache is present</a:t>
-            </a:r>
-          </a:p>
-          <a:p>
-            <a:pPr>
-              <a:buFont typeface="Wingdings" panose="05000000000000000000" pitchFamily="2" charset="2"/>
-              <a:buChar char="§"/>
-            </a:pPr>
-            <a:r>
-              <a:rPr lang="en-US" sz="2100" b="1" dirty="0"/>
-              <a:t>Dynamically discover Apache HTTP Servers</a:t>
-            </a:r>
-          </a:p>
-          <a:p>
-            <a:pPr>
-              <a:buFont typeface="Wingdings" panose="05000000000000000000" pitchFamily="2" charset="2"/>
-              <a:buChar char="§"/>
-            </a:pPr>
-            <a:r>
-              <a:rPr lang="en-US" sz="2100" b="1" dirty="0"/>
-              <a:t>Monitor Apache server, Virtual Hosts, and SSL certs</a:t>
-            </a:r>
-          </a:p>
-          <a:p>
-            <a:pPr lvl="1">
-              <a:buFont typeface="Wingdings" panose="05000000000000000000" pitchFamily="2" charset="2"/>
-              <a:buChar char="§"/>
-            </a:pPr>
-            <a:r>
-              <a:rPr lang="en-US" sz="1900" dirty="0"/>
-              <a:t>Optional URL Probe rules/monitors defined in the MP for remote polling of availability and response time</a:t>
-            </a:r>
-          </a:p>
-          <a:p>
-            <a:pPr>
-              <a:buFont typeface="Wingdings" panose="05000000000000000000" pitchFamily="2" charset="2"/>
-              <a:buChar char="§"/>
-            </a:pPr>
-            <a:r>
-              <a:rPr lang="en-US" sz="2100" b="1" dirty="0"/>
-              <a:t>Standards-based management interface for Apache</a:t>
-            </a:r>
-          </a:p>
-          <a:p>
-            <a:pPr lvl="1">
-              <a:buFont typeface="Wingdings" panose="05000000000000000000" pitchFamily="2" charset="2"/>
-              <a:buChar char="§"/>
-            </a:pPr>
-            <a:r>
-              <a:rPr lang="en-US" sz="1900" dirty="0"/>
-              <a:t>CIM provider for OMI exposes Apache health and performance via WS-Man</a:t>
-            </a:r>
-          </a:p>
-          <a:p>
-            <a:pPr lvl="1">
-              <a:buFont typeface="Wingdings" panose="05000000000000000000" pitchFamily="2" charset="2"/>
-              <a:buChar char="§"/>
-            </a:pPr>
-            <a:r>
-              <a:rPr lang="en-US" sz="1900" dirty="0"/>
-              <a:t>Provider to be open sourced</a:t>
-            </a:r>
-          </a:p>
           <a:p>
             <a:endParaRPr lang="en-US" dirty="0"/>
           </a:p>
@@ -8034,124 +7805,6 @@
           <a:bodyPr/>
           <a:lstStyle/>
           <a:p>
-            <a:pPr>
-              <a:buFont typeface="Wingdings" panose="05000000000000000000" pitchFamily="2" charset="2"/>
-              <a:buChar char="§"/>
-            </a:pPr>
-            <a:r>
-              <a:rPr lang="en-US" b="1" dirty="0"/>
-              <a:t>New MySQL Server Management Pack</a:t>
-            </a:r>
-          </a:p>
-          <a:p>
-            <a:pPr lvl="1">
-              <a:buFont typeface="Wingdings" panose="05000000000000000000" pitchFamily="2" charset="2"/>
-              <a:buChar char="§"/>
-            </a:pPr>
-            <a:r>
-              <a:rPr lang="en-US" dirty="0"/>
-              <a:t>Uses deployable MySQL provider</a:t>
-            </a:r>
-          </a:p>
-          <a:p>
-            <a:pPr lvl="1">
-              <a:buFont typeface="Wingdings" panose="05000000000000000000" pitchFamily="2" charset="2"/>
-              <a:buChar char="§"/>
-            </a:pPr>
-            <a:r>
-              <a:rPr lang="en-US" dirty="0"/>
-              <a:t>Provider auto-installed with </a:t>
-            </a:r>
-            <a:r>
-              <a:rPr lang="en-US" dirty="0" err="1"/>
-              <a:t>OpsMgr</a:t>
-            </a:r>
-            <a:r>
-              <a:rPr lang="en-US" dirty="0"/>
-              <a:t> agent if MySQL is present</a:t>
-            </a:r>
-          </a:p>
-          <a:p>
-            <a:pPr lvl="1">
-              <a:buFont typeface="Wingdings" panose="05000000000000000000" pitchFamily="2" charset="2"/>
-              <a:buChar char="§"/>
-            </a:pPr>
-            <a:endParaRPr lang="en-US" dirty="0"/>
-          </a:p>
-          <a:p>
-            <a:pPr>
-              <a:buFont typeface="Wingdings" panose="05000000000000000000" pitchFamily="2" charset="2"/>
-              <a:buChar char="§"/>
-            </a:pPr>
-            <a:r>
-              <a:rPr lang="en-US" b="1" dirty="0"/>
-              <a:t>Dynamically discover MySQL Servers</a:t>
-            </a:r>
-          </a:p>
-          <a:p>
-            <a:pPr lvl="1">
-              <a:buFont typeface="Wingdings" panose="05000000000000000000" pitchFamily="2" charset="2"/>
-              <a:buChar char="§"/>
-            </a:pPr>
-            <a:r>
-              <a:rPr lang="en-US" dirty="0"/>
-              <a:t>Supports MySQL (5.0, 5.1, 5.5, 5.6, and 5.7) &amp; </a:t>
-            </a:r>
-            <a:r>
-              <a:rPr lang="en-US" dirty="0" err="1"/>
-              <a:t>MariaDB</a:t>
-            </a:r>
-            <a:r>
-              <a:rPr lang="en-US" dirty="0"/>
-              <a:t> (5.5 and 10.0)</a:t>
-            </a:r>
-          </a:p>
-          <a:p>
-            <a:pPr lvl="1">
-              <a:buFont typeface="Wingdings" panose="05000000000000000000" pitchFamily="2" charset="2"/>
-              <a:buChar char="§"/>
-            </a:pPr>
-            <a:endParaRPr lang="en-US" dirty="0"/>
-          </a:p>
-          <a:p>
-            <a:pPr>
-              <a:buFont typeface="Wingdings" panose="05000000000000000000" pitchFamily="2" charset="2"/>
-              <a:buChar char="§"/>
-            </a:pPr>
-            <a:r>
-              <a:rPr lang="en-US" b="1" dirty="0"/>
-              <a:t>Monitor MySQL Server, and Databases</a:t>
-            </a:r>
-          </a:p>
-          <a:p>
-            <a:pPr lvl="1">
-              <a:buFont typeface="Wingdings" panose="05000000000000000000" pitchFamily="2" charset="2"/>
-              <a:buChar char="§"/>
-            </a:pPr>
-            <a:r>
-              <a:rPr lang="en-US" dirty="0"/>
-              <a:t>Performance metrics for key cache, query cache, table cache, and optional metrics for </a:t>
-            </a:r>
-            <a:r>
-              <a:rPr lang="en-US" dirty="0" err="1"/>
-              <a:t>InnoDB</a:t>
-            </a:r>
-            <a:r>
-              <a:rPr lang="en-US" dirty="0"/>
-              <a:t> buffer pool</a:t>
-            </a:r>
-          </a:p>
-          <a:p>
-            <a:pPr lvl="1">
-              <a:buFont typeface="Wingdings" panose="05000000000000000000" pitchFamily="2" charset="2"/>
-              <a:buChar char="§"/>
-            </a:pPr>
-            <a:r>
-              <a:rPr lang="en-US" dirty="0"/>
-              <a:t>Extend monitoring with custom stored procedure monitoring</a:t>
-            </a:r>
-          </a:p>
-          <a:p>
             <a:endParaRPr lang="en-US" dirty="0"/>
           </a:p>
         </p:txBody>
@@ -8235,122 +7888,6 @@
         <p:txBody>
           <a:bodyPr/>
           <a:lstStyle/>
-          <a:p>
-            <a:pPr>
-              <a:spcBef>
-                <a:spcPts val="1088"/>
-              </a:spcBef>
-              <a:buFont typeface="Wingdings" panose="05000000000000000000" pitchFamily="2" charset="2"/>
-              <a:buChar char="§"/>
-            </a:pPr>
-            <a:r>
-              <a:rPr lang="en-US" sz="1300" dirty="0"/>
-              <a:t>Option to use default (stored) </a:t>
-            </a:r>
-            <a:r>
-              <a:rPr lang="en-US" sz="1300" dirty="0" err="1"/>
-              <a:t>RunAs</a:t>
-            </a:r>
-            <a:r>
-              <a:rPr lang="en-US" sz="1300" dirty="0"/>
-              <a:t> Credentials in Discovery Wizard and PowerShell discovery </a:t>
-            </a:r>
-          </a:p>
-          <a:p>
-            <a:pPr>
-              <a:lnSpc>
-                <a:spcPct val="85000"/>
-              </a:lnSpc>
-              <a:spcBef>
-                <a:spcPts val="1088"/>
-              </a:spcBef>
-              <a:spcAft>
-                <a:spcPts val="1057"/>
-              </a:spcAft>
-              <a:buFont typeface="Wingdings" panose="05000000000000000000" pitchFamily="2" charset="2"/>
-              <a:buChar char="§"/>
-            </a:pPr>
-            <a:r>
-              <a:rPr lang="en-US" sz="1300" dirty="0"/>
-              <a:t>Run any script to get health or performance (shell, Python, PERL, etc.)</a:t>
-            </a:r>
-          </a:p>
-          <a:p>
-            <a:pPr>
-              <a:lnSpc>
-                <a:spcPct val="85000"/>
-              </a:lnSpc>
-              <a:spcBef>
-                <a:spcPts val="1088"/>
-              </a:spcBef>
-              <a:spcAft>
-                <a:spcPts val="1057"/>
-              </a:spcAft>
-              <a:buFont typeface="Wingdings" panose="05000000000000000000" pitchFamily="2" charset="2"/>
-              <a:buChar char="§"/>
-            </a:pPr>
-            <a:r>
-              <a:rPr lang="en-US" sz="1300" dirty="0"/>
-              <a:t>Shell Command/Script executions are multi-threaded </a:t>
-            </a:r>
-          </a:p>
-          <a:p>
-            <a:pPr>
-              <a:lnSpc>
-                <a:spcPct val="85000"/>
-              </a:lnSpc>
-              <a:spcBef>
-                <a:spcPts val="1088"/>
-              </a:spcBef>
-              <a:spcAft>
-                <a:spcPts val="1057"/>
-              </a:spcAft>
-              <a:buFont typeface="Wingdings" panose="05000000000000000000" pitchFamily="2" charset="2"/>
-              <a:buChar char="§"/>
-            </a:pPr>
-            <a:r>
-              <a:rPr lang="en-US" sz="1300" dirty="0"/>
-              <a:t>Create Shell Command or Script diagnostic or recovery task</a:t>
-            </a:r>
-          </a:p>
-          <a:p>
-            <a:pPr>
-              <a:lnSpc>
-                <a:spcPct val="85000"/>
-              </a:lnSpc>
-              <a:spcBef>
-                <a:spcPts val="1088"/>
-              </a:spcBef>
-              <a:spcAft>
-                <a:spcPts val="1057"/>
-              </a:spcAft>
-              <a:buFont typeface="Wingdings" panose="05000000000000000000" pitchFamily="2" charset="2"/>
-              <a:buChar char="§"/>
-            </a:pPr>
-            <a:r>
-              <a:rPr lang="en-US" sz="1300" dirty="0"/>
-              <a:t>Scalability improvement with Unix/Linux agents monitoring (2x)</a:t>
-            </a:r>
-          </a:p>
-          <a:p>
-            <a:pPr>
-              <a:lnSpc>
-                <a:spcPct val="85000"/>
-              </a:lnSpc>
-              <a:spcBef>
-                <a:spcPts val="1088"/>
-              </a:spcBef>
-              <a:spcAft>
-                <a:spcPts val="1057"/>
-              </a:spcAft>
-              <a:buFont typeface="Wingdings" panose="05000000000000000000" pitchFamily="2" charset="2"/>
-              <a:buChar char="§"/>
-            </a:pPr>
-            <a:r>
-              <a:rPr lang="en-US" sz="1300" dirty="0"/>
-              <a:t>File System discovery can be filtered by type or name in MP overrides</a:t>
-            </a:r>
-          </a:p>
           <a:p>
             <a:endParaRPr lang="en-US" dirty="0"/>
           </a:p>
@@ -8436,234 +7973,6 @@
           <a:bodyPr/>
           <a:lstStyle/>
           <a:p>
-            <a:r>
-              <a:rPr lang="en-US" dirty="0">
-                <a:solidFill>
-                  <a:srgbClr val="FFFF00"/>
-                </a:solidFill>
-              </a:rPr>
-              <a:t> </a:t>
-            </a:r>
-            <a:r>
-              <a:rPr lang="en-US" dirty="0" err="1">
-                <a:solidFill>
-                  <a:srgbClr val="FFFF00"/>
-                </a:solidFill>
-              </a:rPr>
-              <a:t>Übersicht</a:t>
-            </a:r>
-            <a:r>
-              <a:rPr lang="en-US" dirty="0">
-                <a:solidFill>
-                  <a:srgbClr val="FFFF00"/>
-                </a:solidFill>
-              </a:rPr>
-              <a:t> </a:t>
-            </a:r>
-            <a:r>
-              <a:rPr lang="en-US" dirty="0" err="1">
-                <a:solidFill>
-                  <a:srgbClr val="FFFF00"/>
-                </a:solidFill>
-              </a:rPr>
-              <a:t>wie</a:t>
-            </a:r>
-            <a:r>
-              <a:rPr lang="en-US" dirty="0">
-                <a:solidFill>
-                  <a:srgbClr val="FFFF00"/>
-                </a:solidFill>
-              </a:rPr>
-              <a:t> der Agent </a:t>
-            </a:r>
-            <a:r>
-              <a:rPr lang="en-US" dirty="0" err="1">
-                <a:solidFill>
-                  <a:srgbClr val="FFFF00"/>
-                </a:solidFill>
-              </a:rPr>
-              <a:t>mit</a:t>
-            </a:r>
-            <a:r>
-              <a:rPr lang="en-US" dirty="0">
-                <a:solidFill>
-                  <a:srgbClr val="FFFF00"/>
-                </a:solidFill>
-              </a:rPr>
-              <a:t> OMS </a:t>
-            </a:r>
-            <a:r>
-              <a:rPr lang="en-US" dirty="0" err="1">
-                <a:solidFill>
-                  <a:srgbClr val="FFFF00"/>
-                </a:solidFill>
-              </a:rPr>
-              <a:t>kommuniziert</a:t>
-            </a:r>
-            <a:r>
-              <a:rPr lang="en-US" dirty="0">
-                <a:solidFill>
-                  <a:srgbClr val="FFFF00"/>
-                </a:solidFill>
-              </a:rPr>
-              <a:t> Ports, </a:t>
-            </a:r>
-            <a:r>
-              <a:rPr lang="en-US" dirty="0" err="1">
-                <a:solidFill>
-                  <a:srgbClr val="FFFF00"/>
-                </a:solidFill>
-              </a:rPr>
-              <a:t>Netzwerk</a:t>
-            </a:r>
-            <a:r>
-              <a:rPr lang="en-US" dirty="0">
-                <a:solidFill>
-                  <a:srgbClr val="FFFF00"/>
-                </a:solidFill>
-              </a:rPr>
-              <a:t>, Proxy</a:t>
-            </a:r>
-          </a:p>
-          <a:p>
-            <a:r>
-              <a:rPr lang="en-US" dirty="0">
-                <a:solidFill>
-                  <a:srgbClr val="FFFF00"/>
-                </a:solidFill>
-              </a:rPr>
-              <a:t>NICHT </a:t>
-            </a:r>
-            <a:r>
-              <a:rPr lang="en-US" dirty="0" err="1">
-                <a:solidFill>
-                  <a:srgbClr val="FFFF00"/>
-                </a:solidFill>
-              </a:rPr>
-              <a:t>erklären</a:t>
-            </a:r>
-            <a:r>
-              <a:rPr lang="en-US" dirty="0">
-                <a:solidFill>
-                  <a:srgbClr val="FFFF00"/>
-                </a:solidFill>
-              </a:rPr>
-              <a:t> was OMS </a:t>
-            </a:r>
-            <a:r>
-              <a:rPr lang="en-US" dirty="0" err="1">
-                <a:solidFill>
-                  <a:srgbClr val="FFFF00"/>
-                </a:solidFill>
-              </a:rPr>
-              <a:t>ist</a:t>
-            </a:r>
-            <a:r>
-              <a:rPr lang="en-US" dirty="0">
-                <a:solidFill>
-                  <a:srgbClr val="FFFF00"/>
-                </a:solidFill>
-              </a:rPr>
-              <a:t>, </a:t>
-            </a:r>
-            <a:r>
-              <a:rPr lang="en-US" dirty="0" err="1">
-                <a:solidFill>
-                  <a:srgbClr val="FFFF00"/>
-                </a:solidFill>
-              </a:rPr>
-              <a:t>sollten</a:t>
-            </a:r>
-            <a:r>
-              <a:rPr lang="en-US" dirty="0">
-                <a:solidFill>
-                  <a:srgbClr val="FFFF00"/>
-                </a:solidFill>
-              </a:rPr>
-              <a:t> </a:t>
-            </a:r>
-            <a:r>
-              <a:rPr lang="en-US" dirty="0" err="1">
-                <a:solidFill>
-                  <a:srgbClr val="FFFF00"/>
-                </a:solidFill>
-              </a:rPr>
-              <a:t>mittlerweile</a:t>
-            </a:r>
-            <a:r>
-              <a:rPr lang="en-US" dirty="0">
-                <a:solidFill>
-                  <a:srgbClr val="FFFF00"/>
-                </a:solidFill>
-              </a:rPr>
-              <a:t> </a:t>
-            </a:r>
-            <a:r>
-              <a:rPr lang="en-US" dirty="0" err="1">
-                <a:solidFill>
-                  <a:srgbClr val="FFFF00"/>
-                </a:solidFill>
-              </a:rPr>
-              <a:t>alle</a:t>
-            </a:r>
-            <a:r>
-              <a:rPr lang="en-US" dirty="0">
-                <a:solidFill>
-                  <a:srgbClr val="FFFF00"/>
-                </a:solidFill>
-              </a:rPr>
-              <a:t> </a:t>
-            </a:r>
-            <a:r>
-              <a:rPr lang="en-US" dirty="0" err="1">
-                <a:solidFill>
-                  <a:srgbClr val="FFFF00"/>
-                </a:solidFill>
-              </a:rPr>
-              <a:t>wissen</a:t>
-            </a:r>
-            <a:r>
-              <a:rPr lang="en-US" dirty="0">
-                <a:solidFill>
-                  <a:srgbClr val="FFFF00"/>
-                </a:solidFill>
-              </a:rPr>
-              <a:t>. </a:t>
-            </a:r>
-            <a:r>
-              <a:rPr lang="en-US" dirty="0" err="1">
-                <a:solidFill>
-                  <a:srgbClr val="FFFF00"/>
-                </a:solidFill>
-              </a:rPr>
-              <a:t>Verweis</a:t>
-            </a:r>
-            <a:r>
-              <a:rPr lang="en-US" dirty="0">
-                <a:solidFill>
-                  <a:srgbClr val="FFFF00"/>
-                </a:solidFill>
-              </a:rPr>
-              <a:t> auf </a:t>
-            </a:r>
-            <a:r>
-              <a:rPr lang="en-US" dirty="0" err="1">
-                <a:solidFill>
-                  <a:srgbClr val="FFFF00"/>
-                </a:solidFill>
-              </a:rPr>
-              <a:t>andere</a:t>
-            </a:r>
-            <a:r>
-              <a:rPr lang="en-US" dirty="0">
-                <a:solidFill>
-                  <a:srgbClr val="FFFF00"/>
-                </a:solidFill>
-              </a:rPr>
-              <a:t> Sessions.</a:t>
-            </a:r>
-          </a:p>
-          <a:p>
             <a:endParaRPr lang="de-CH" dirty="0"/>
           </a:p>
         </p:txBody>
@@ -8747,194 +8056,6 @@
         <p:txBody>
           <a:bodyPr/>
           <a:lstStyle/>
-          <a:p>
-            <a:r>
-              <a:rPr lang="en-US" dirty="0"/>
-              <a:t>You must install agents on </a:t>
-            </a:r>
-            <a:r>
-              <a:rPr lang="en-US" dirty="0">
-                <a:hlinkClick r:id="rId3"/>
-              </a:rPr>
-              <a:t>Windows</a:t>
-            </a:r>
-            <a:r>
-              <a:rPr lang="en-US" dirty="0"/>
-              <a:t> and </a:t>
-            </a:r>
-            <a:r>
-              <a:rPr lang="en-US" dirty="0">
-                <a:hlinkClick r:id="rId4"/>
-              </a:rPr>
-              <a:t>Linux</a:t>
-            </a:r>
-            <a:r>
-              <a:rPr lang="en-US" dirty="0"/>
-              <a:t> computers, but there is </a:t>
-            </a:r>
-            <a:r>
-              <a:rPr lang="en-US" dirty="0">
-                <a:highlight>
-                  <a:srgbClr val="FFFF00"/>
-                </a:highlight>
-              </a:rPr>
-              <a:t>no additional agent required for computers that are already members of a </a:t>
-            </a:r>
-            <a:r>
-              <a:rPr lang="en-US" dirty="0">
-                <a:highlight>
-                  <a:srgbClr val="FFFF00"/>
-                </a:highlight>
-                <a:hlinkClick r:id="rId5"/>
-              </a:rPr>
-              <a:t>connected SCOM management group</a:t>
-            </a:r>
-            <a:r>
-              <a:rPr lang="en-US" dirty="0">
-                <a:highlight>
-                  <a:srgbClr val="FFFF00"/>
-                </a:highlight>
-              </a:rPr>
-              <a:t>. </a:t>
-            </a:r>
-            <a:r>
-              <a:rPr lang="en-US" dirty="0"/>
-              <a:t>SCOM agents will continue to communicate with management servers which will forward their data to Log Analytics. Some solutions though will require agents to communicate directly with Log Analytics. The documentation for each solution will specify its communication requirements.</a:t>
-            </a:r>
-          </a:p>
-          <a:p>
-            <a:endParaRPr lang="en-US" dirty="0"/>
-          </a:p>
-          <a:p>
-            <a:r>
-              <a:rPr lang="en-US" dirty="0"/>
-              <a:t>When you </a:t>
-            </a:r>
-            <a:r>
-              <a:rPr lang="en-US" dirty="0">
-                <a:hlinkClick r:id="rId6"/>
-              </a:rPr>
-              <a:t>sign up for Log Analytics</a:t>
-            </a:r>
-            <a:r>
-              <a:rPr lang="en-US" dirty="0"/>
-              <a:t>, you will create an OMS workspace. You can think of the workspace as a unique OMS environment with its own data repository, data sources, and solutions. You may create multiple workspaces in your subscription to support multiple environments such as production and test.</a:t>
-            </a:r>
-          </a:p>
-          <a:p>
-            <a:endParaRPr lang="en-US" dirty="0"/>
-          </a:p>
-          <a:p>
-            <a:r>
-              <a:rPr lang="en-US" dirty="0"/>
-              <a:t>You register all agent types with an enrollment key and a secure connection is established between the agent and the Log Analytics service using certificate-based authentication and SSL with port 443. OMS uses a secret store to generate and maintain keys. Private keys are rotated every 90 days</a:t>
-            </a:r>
-          </a:p>
-          <a:p>
-            <a:r>
-              <a:rPr lang="en-US" dirty="0"/>
-              <a:t>If any agent is unable to communicate to the service for any reason, the collected data is stored locally in a temporary cache and the management server tries to resend the data every 8 minutes for 2 hours. The agent's cached data is protected by the operating system's credential store.</a:t>
-            </a:r>
-          </a:p>
-          <a:p>
-            <a:endParaRPr lang="en-US" dirty="0"/>
-          </a:p>
-          <a:p>
-            <a:r>
-              <a:rPr lang="en-US" dirty="0"/>
-              <a:t>The Log Analytics service ensures that incoming data is from a trusted source by validating certificates and the data integrity with Azure authentication. The unprocessed raw data is then stored as a blob in </a:t>
-            </a:r>
-            <a:r>
-              <a:rPr lang="en-US" dirty="0">
-                <a:hlinkClick r:id="rId7"/>
-              </a:rPr>
-              <a:t>Microsoft Azure Storage</a:t>
-            </a:r>
-            <a:r>
-              <a:rPr lang="en-US" dirty="0"/>
-              <a:t> and is not encrypted.</a:t>
-            </a:r>
-          </a:p>
-          <a:p>
-            <a:pPr defTabSz="966612">
-              <a:defRPr/>
-            </a:pPr>
-            <a:endParaRPr lang="en-US" dirty="0"/>
-          </a:p>
-          <a:p>
-            <a:pPr defTabSz="966612">
-              <a:defRPr/>
-            </a:pPr>
-            <a:r>
-              <a:rPr lang="en-US" dirty="0"/>
-              <a:t>For the Microsoft Monitoring Agent to connect to and register with the OMS service, it must have access to the following URLs.</a:t>
-            </a:r>
-            <a:endParaRPr lang="de-CH" dirty="0"/>
-          </a:p>
-          <a:p>
-            <a:pPr marL="181240" indent="-181240" fontAlgn="ctr">
-              <a:buFontTx/>
-              <a:buChar char="-"/>
-            </a:pPr>
-            <a:r>
-              <a:rPr lang="de-CH" sz="1300" dirty="0"/>
-              <a:t>*.ods.opinsights.azure.com Port 443</a:t>
-            </a:r>
-          </a:p>
-          <a:p>
-            <a:pPr marL="181240" indent="-181240" defTabSz="966612" fontAlgn="ctr">
-              <a:buFontTx/>
-              <a:buChar char="-"/>
-              <a:defRPr/>
-            </a:pPr>
-            <a:r>
-              <a:rPr lang="de-CH" dirty="0"/>
-              <a:t>*.oms.opinsights.azure.com </a:t>
-            </a:r>
-            <a:r>
-              <a:rPr lang="de-CH" sz="1300" dirty="0"/>
-              <a:t>Port 443</a:t>
-            </a:r>
-            <a:endParaRPr lang="de-CH" dirty="0"/>
-          </a:p>
-          <a:p>
-            <a:pPr marL="181240" indent="-181240" defTabSz="966612" fontAlgn="ctr">
-              <a:buFontTx/>
-              <a:buChar char="-"/>
-              <a:defRPr/>
-            </a:pPr>
-            <a:r>
-              <a:rPr lang="de-CH" dirty="0"/>
-              <a:t>*.blob.core.windows.net </a:t>
-            </a:r>
-            <a:r>
-              <a:rPr lang="de-CH" sz="1300" dirty="0"/>
-              <a:t>Port 443</a:t>
-            </a:r>
-          </a:p>
-          <a:p>
-            <a:pPr marL="181240" indent="-181240" defTabSz="966612" fontAlgn="ctr">
-              <a:buFontTx/>
-              <a:buChar char="-"/>
-              <a:defRPr/>
-            </a:pPr>
-            <a:endParaRPr lang="de-CH" sz="1300" dirty="0"/>
-          </a:p>
-          <a:p>
-            <a:pPr marL="181240" indent="-181240" defTabSz="966612" fontAlgn="ctr">
-              <a:buFontTx/>
-              <a:buChar char="-"/>
-              <a:defRPr/>
-            </a:pPr>
-            <a:endParaRPr lang="de-CH" dirty="0"/>
-          </a:p>
-          <a:p>
-            <a:pPr marL="181240" indent="-181240" fontAlgn="ctr">
-              <a:buFontTx/>
-              <a:buChar char="-"/>
-            </a:pPr>
-            <a:endParaRPr lang="de-CH" sz="1300" dirty="0"/>
-          </a:p>
           <a:p>
             <a:endParaRPr lang="en-US" dirty="0"/>
           </a:p>
@@ -9020,488 +8141,6 @@
           <a:bodyPr/>
           <a:lstStyle/>
           <a:p>
-            <a:r>
-              <a:rPr lang="en-US" dirty="0"/>
-              <a:t>Amazon Linux 2012.09 --&gt; 2015.09 (x86/x64)</a:t>
-            </a:r>
-          </a:p>
-          <a:p>
-            <a:r>
-              <a:rPr lang="en-US" dirty="0"/>
-              <a:t>CentOS Linux 5,6, and 7 (x86/x64)</a:t>
-            </a:r>
-          </a:p>
-          <a:p>
-            <a:r>
-              <a:rPr lang="en-US" dirty="0"/>
-              <a:t>Oracle Linux 5,6, and 7 (x86/x64)</a:t>
-            </a:r>
-          </a:p>
-          <a:p>
-            <a:r>
-              <a:rPr lang="en-US" dirty="0"/>
-              <a:t>Red Hat Enterprise Linux Server 5,6 and 7 (x86/x64)</a:t>
-            </a:r>
-          </a:p>
-          <a:p>
-            <a:r>
-              <a:rPr lang="en-US" dirty="0" err="1"/>
-              <a:t>Debian</a:t>
-            </a:r>
-            <a:r>
-              <a:rPr lang="en-US" dirty="0"/>
-              <a:t> GNU/Linux 6, 7, and 8 (x86/x64)</a:t>
-            </a:r>
-          </a:p>
-          <a:p>
-            <a:r>
-              <a:rPr lang="en-US" dirty="0"/>
-              <a:t>Ubuntu 12.04 LTS, 14.04 LTS, 15.04, 15.10, 16.04 LTS (x86/x64)</a:t>
-            </a:r>
-          </a:p>
-          <a:p>
-            <a:r>
-              <a:rPr lang="en-US" dirty="0"/>
-              <a:t>SUSE Linux </a:t>
-            </a:r>
-            <a:r>
-              <a:rPr lang="en-US" dirty="0" err="1"/>
-              <a:t>Enteprise</a:t>
-            </a:r>
-            <a:r>
-              <a:rPr lang="en-US" dirty="0"/>
-              <a:t> Server 11 and 12 (x86/x64)</a:t>
-            </a:r>
-          </a:p>
-          <a:p>
-            <a:endParaRPr lang="en-US" dirty="0"/>
-          </a:p>
-          <a:p>
-            <a:r>
-              <a:rPr lang="en-US" dirty="0" err="1"/>
-              <a:t>Fluentd</a:t>
-            </a:r>
-            <a:r>
-              <a:rPr lang="en-US" dirty="0"/>
-              <a:t> is a </a:t>
-            </a:r>
-            <a:r>
-              <a:rPr lang="en-US" dirty="0" err="1">
-                <a:hlinkClick r:id="rId3"/>
-              </a:rPr>
-              <a:t>CRuby</a:t>
-            </a:r>
-            <a:r>
-              <a:rPr lang="en-US" dirty="0"/>
-              <a:t> application which requires Ruby 1.9.2 or later. There is an open-source version, </a:t>
-            </a:r>
-            <a:r>
-              <a:rPr lang="en-US" dirty="0" err="1"/>
-              <a:t>fluentd</a:t>
-            </a:r>
-            <a:r>
-              <a:rPr lang="en-US" dirty="0"/>
-              <a:t>, as well as a commercial version. </a:t>
-            </a:r>
-            <a:r>
-              <a:rPr lang="en-US" dirty="0" err="1">
-                <a:hlinkClick r:id="rId4"/>
-              </a:rPr>
-              <a:t>Fluentd</a:t>
-            </a:r>
-            <a:r>
-              <a:rPr lang="en-US" dirty="0"/>
-              <a:t> collects events from various data sources and writes them to files, RDBMS, NoSQL, IaaS, SaaS, Hadoop and so on. It is a fully free and fully open-source log collector. Often used together with </a:t>
-            </a:r>
-            <a:r>
-              <a:rPr lang="en-US" dirty="0" err="1"/>
-              <a:t>ElasticSearch</a:t>
-            </a:r>
-            <a:r>
-              <a:rPr lang="en-US" dirty="0"/>
-              <a:t> and </a:t>
-            </a:r>
-            <a:r>
-              <a:rPr lang="en-US" dirty="0" err="1"/>
-              <a:t>Kibana</a:t>
-            </a:r>
-            <a:r>
-              <a:rPr lang="en-US" dirty="0"/>
-              <a:t> (EFK) to collect, index, search, and visualize log data. This is a great alternative to proprietary software such as </a:t>
-            </a:r>
-            <a:r>
-              <a:rPr lang="en-US" dirty="0" err="1"/>
-              <a:t>Splunk</a:t>
-            </a:r>
-            <a:r>
-              <a:rPr lang="en-US" dirty="0"/>
-              <a:t> -&gt; In terms of OMS, the agent (</a:t>
-            </a:r>
-            <a:r>
-              <a:rPr lang="en-US" dirty="0" err="1"/>
-              <a:t>FluentD</a:t>
-            </a:r>
-            <a:r>
-              <a:rPr lang="en-US" dirty="0"/>
-              <a:t>) collects and </a:t>
-            </a:r>
-            <a:r>
-              <a:rPr lang="en-US" dirty="0" err="1"/>
-              <a:t>Loganalytics</a:t>
-            </a:r>
-            <a:r>
-              <a:rPr lang="en-US" dirty="0"/>
-              <a:t> does the indexing and visualization of log data</a:t>
-            </a:r>
-          </a:p>
-          <a:p>
-            <a:endParaRPr lang="en-US" dirty="0"/>
-          </a:p>
-          <a:p>
-            <a:pPr rtl="0" eaLnBrk="1" fontAlgn="ctr" latinLnBrk="0" hangingPunct="1"/>
-            <a:r>
-              <a:rPr lang="de-CH" dirty="0"/>
-              <a:t>- </a:t>
-            </a:r>
-            <a:r>
-              <a:rPr lang="de-CH" dirty="0" err="1"/>
-              <a:t>Omsagent</a:t>
-            </a:r>
-            <a:r>
-              <a:rPr lang="de-CH" dirty="0"/>
-              <a:t> - </a:t>
-            </a:r>
-            <a:r>
-              <a:rPr lang="en-US" dirty="0"/>
-              <a:t>The Operations Management Suite Agent for Linux</a:t>
-            </a:r>
-            <a:endParaRPr lang="de-CH" dirty="0"/>
-          </a:p>
-          <a:p>
-            <a:pPr rtl="0" eaLnBrk="1" fontAlgn="ctr" latinLnBrk="0" hangingPunct="1"/>
-            <a:r>
-              <a:rPr lang="de-CH" dirty="0"/>
-              <a:t>- </a:t>
-            </a:r>
-            <a:r>
-              <a:rPr lang="de-CH" dirty="0" err="1"/>
-              <a:t>Omsconfig</a:t>
-            </a:r>
-            <a:r>
-              <a:rPr lang="de-CH" dirty="0"/>
-              <a:t> - </a:t>
-            </a:r>
-            <a:r>
-              <a:rPr lang="en-US" dirty="0"/>
-              <a:t>Configuration agent for the OMS Agent</a:t>
-            </a:r>
-            <a:endParaRPr lang="de-CH" dirty="0"/>
-          </a:p>
-          <a:p>
-            <a:pPr marL="181240" indent="-181240" fontAlgn="ctr">
-              <a:buFontTx/>
-              <a:buChar char="-"/>
-            </a:pPr>
-            <a:r>
-              <a:rPr lang="de-CH" dirty="0"/>
-              <a:t>Omi - Open Management Infrastructure (OMI) CIM </a:t>
-            </a:r>
-            <a:r>
-              <a:rPr lang="de-CH" dirty="0" err="1"/>
-              <a:t>server</a:t>
-            </a:r>
-            <a:r>
-              <a:rPr lang="de-CH" dirty="0"/>
-              <a:t>. </a:t>
-            </a:r>
-            <a:r>
-              <a:rPr lang="en-US" dirty="0"/>
-              <a:t>The Open Management Infrastructure stack (OMI) is an open-source </a:t>
-            </a:r>
-            <a:r>
-              <a:rPr lang="en-US" dirty="0">
-                <a:hlinkClick r:id="rId5" tooltip="Common Information Model (computing)"/>
-              </a:rPr>
-              <a:t>CIM</a:t>
-            </a:r>
-            <a:r>
-              <a:rPr lang="en-US" dirty="0"/>
-              <a:t> management server. OMI was contributed to The Open Group by </a:t>
-            </a:r>
-            <a:r>
-              <a:rPr lang="en-US" dirty="0">
-                <a:hlinkClick r:id="rId6" tooltip="Microsoft"/>
-              </a:rPr>
-              <a:t>Microsoft</a:t>
-            </a:r>
-            <a:r>
-              <a:rPr lang="en-US" dirty="0"/>
-              <a:t> on June 28, 2012 with the goal "to remove all obstacles that stand in the way of implementing standards-based management so that every device in the world can be managed in a clear, consistent, coherent way and to nurture [and] spur a rich ecosystem of standards-based management products.“ OMI uses a provider model to enable developers to extend OMI to their specific device or platform. https://blogs.technet.microsoft.com/windowsserver/2012/06/28/open-management-infrastructure/</a:t>
-            </a:r>
-          </a:p>
-          <a:p>
-            <a:pPr defTabSz="966612" fontAlgn="ctr">
-              <a:defRPr/>
-            </a:pPr>
-            <a:r>
-              <a:rPr lang="de-CH" dirty="0"/>
-              <a:t>- </a:t>
-            </a:r>
-            <a:r>
-              <a:rPr lang="de-CH" dirty="0" err="1"/>
-              <a:t>Scx</a:t>
-            </a:r>
-            <a:r>
-              <a:rPr lang="de-CH" dirty="0"/>
-              <a:t> - OMI CIM Providers </a:t>
-            </a:r>
-            <a:r>
-              <a:rPr lang="de-CH" dirty="0" err="1"/>
-              <a:t>for</a:t>
-            </a:r>
-            <a:r>
-              <a:rPr lang="de-CH" dirty="0"/>
-              <a:t> </a:t>
-            </a:r>
-            <a:r>
-              <a:rPr lang="de-CH" dirty="0" err="1"/>
-              <a:t>operating</a:t>
-            </a:r>
-            <a:r>
-              <a:rPr lang="de-CH" dirty="0"/>
-              <a:t> </a:t>
-            </a:r>
-            <a:r>
-              <a:rPr lang="de-CH" dirty="0" err="1"/>
-              <a:t>system</a:t>
-            </a:r>
-            <a:r>
-              <a:rPr lang="de-CH" dirty="0"/>
-              <a:t> </a:t>
-            </a:r>
-            <a:r>
-              <a:rPr lang="de-CH" dirty="0" err="1"/>
-              <a:t>performance</a:t>
-            </a:r>
-            <a:r>
-              <a:rPr lang="de-CH" dirty="0"/>
-              <a:t> </a:t>
-            </a:r>
-            <a:r>
-              <a:rPr lang="de-CH" dirty="0" err="1"/>
-              <a:t>metrics</a:t>
-            </a:r>
-            <a:r>
-              <a:rPr lang="de-CH" dirty="0"/>
-              <a:t> - </a:t>
-            </a:r>
-            <a:r>
-              <a:rPr lang="en-US" dirty="0"/>
-              <a:t>Operations Manager Providers for Linux and UNIX, same as used in SCOM agent. https://scx.codeplex.com/ </a:t>
-            </a:r>
-            <a:endParaRPr lang="de-CH" dirty="0"/>
-          </a:p>
-          <a:p>
-            <a:pPr rtl="0" eaLnBrk="1" fontAlgn="ctr" latinLnBrk="0" hangingPunct="1"/>
-            <a:r>
-              <a:rPr lang="de-CH" dirty="0"/>
-              <a:t>- </a:t>
-            </a:r>
-            <a:r>
-              <a:rPr lang="de-CH" dirty="0" err="1"/>
-              <a:t>apache-cimprov</a:t>
-            </a:r>
-            <a:r>
-              <a:rPr lang="de-CH" dirty="0"/>
-              <a:t> - </a:t>
-            </a:r>
-            <a:r>
-              <a:rPr lang="en-US" dirty="0"/>
-              <a:t>Apache HTTP Server performance monitoring provider for OMI. Only installed if Apache HTTP Server is detected.</a:t>
-            </a:r>
-            <a:endParaRPr lang="de-CH" dirty="0"/>
-          </a:p>
-          <a:p>
-            <a:pPr rtl="0" eaLnBrk="1" fontAlgn="ctr" latinLnBrk="0" hangingPunct="1"/>
-            <a:r>
-              <a:rPr lang="de-CH" dirty="0"/>
-              <a:t>- </a:t>
-            </a:r>
-            <a:r>
-              <a:rPr lang="de-CH" dirty="0" err="1"/>
-              <a:t>mysql-cimprov</a:t>
-            </a:r>
-            <a:r>
-              <a:rPr lang="de-CH" dirty="0"/>
-              <a:t> - </a:t>
-            </a:r>
-            <a:r>
-              <a:rPr lang="en-US" dirty="0"/>
-              <a:t>MySQL Server performance monitoring provider for OMI. Only installed if MySQL/</a:t>
-            </a:r>
-            <a:r>
-              <a:rPr lang="en-US" dirty="0" err="1"/>
-              <a:t>MariaDB</a:t>
-            </a:r>
-            <a:r>
-              <a:rPr lang="en-US" dirty="0"/>
-              <a:t> server is detected.</a:t>
-            </a:r>
-            <a:endParaRPr lang="de-CH" dirty="0"/>
-          </a:p>
-          <a:p>
-            <a:pPr rtl="0" eaLnBrk="1" fontAlgn="ctr" latinLnBrk="0" hangingPunct="1"/>
-            <a:r>
-              <a:rPr lang="de-CH" dirty="0"/>
-              <a:t>- </a:t>
-            </a:r>
-            <a:r>
-              <a:rPr lang="de-CH" dirty="0" err="1"/>
-              <a:t>docker-cimprov</a:t>
-            </a:r>
-            <a:r>
-              <a:rPr lang="de-CH" dirty="0"/>
-              <a:t> - </a:t>
-            </a:r>
-            <a:r>
-              <a:rPr lang="en-US" dirty="0"/>
-              <a:t>Docker provider for OMI. Only installed if Docker is detected.</a:t>
-            </a:r>
-          </a:p>
-          <a:p>
-            <a:pPr rtl="0" eaLnBrk="1" fontAlgn="ctr" latinLnBrk="0" hangingPunct="1"/>
-            <a:endParaRPr lang="en-US" dirty="0"/>
-          </a:p>
-          <a:p>
-            <a:pPr rtl="0" eaLnBrk="1" fontAlgn="ctr" latinLnBrk="0" hangingPunct="1"/>
-            <a:r>
-              <a:rPr lang="en-US" dirty="0"/>
-              <a:t>Requirements:</a:t>
-            </a:r>
-          </a:p>
-          <a:p>
-            <a:pPr rtl="0" eaLnBrk="1" fontAlgn="ctr" latinLnBrk="0" hangingPunct="1"/>
-            <a:r>
-              <a:rPr lang="de-CH" dirty="0" err="1"/>
-              <a:t>Glibc</a:t>
-            </a:r>
-            <a:endParaRPr lang="de-CH" dirty="0"/>
-          </a:p>
-          <a:p>
-            <a:pPr rtl="0" eaLnBrk="1" fontAlgn="ctr" latinLnBrk="0" hangingPunct="1"/>
-            <a:r>
-              <a:rPr lang="de-CH" dirty="0" err="1"/>
-              <a:t>Openssl</a:t>
-            </a:r>
-            <a:endParaRPr lang="de-CH" dirty="0"/>
-          </a:p>
-          <a:p>
-            <a:pPr rtl="0" eaLnBrk="1" fontAlgn="ctr" latinLnBrk="0" hangingPunct="1"/>
-            <a:r>
-              <a:rPr lang="de-CH" dirty="0" err="1"/>
-              <a:t>Curl</a:t>
-            </a:r>
-            <a:endParaRPr lang="de-CH" dirty="0"/>
-          </a:p>
-          <a:p>
-            <a:pPr rtl="0" eaLnBrk="1" fontAlgn="ctr" latinLnBrk="0" hangingPunct="1"/>
-            <a:r>
-              <a:rPr lang="de-CH" dirty="0"/>
-              <a:t>Python-</a:t>
-            </a:r>
-            <a:r>
-              <a:rPr lang="de-CH" dirty="0" err="1"/>
-              <a:t>ctypes</a:t>
-            </a:r>
-            <a:endParaRPr lang="de-CH" dirty="0"/>
-          </a:p>
-          <a:p>
-            <a:pPr rtl="0" eaLnBrk="1" fontAlgn="ctr" latinLnBrk="0" hangingPunct="1"/>
-            <a:r>
-              <a:rPr lang="de-CH" dirty="0"/>
-              <a:t>PAM</a:t>
-            </a:r>
-            <a:endParaRPr lang="en-US" dirty="0"/>
-          </a:p>
-          <a:p>
-            <a:pPr rtl="0" eaLnBrk="1" fontAlgn="ctr" latinLnBrk="0" hangingPunct="1"/>
-            <a:endParaRPr lang="en-US" dirty="0"/>
-          </a:p>
-          <a:p>
-            <a:r>
-              <a:rPr lang="en-US" dirty="0"/>
-              <a:t>Note: Either </a:t>
-            </a:r>
-            <a:r>
-              <a:rPr lang="en-US" dirty="0" err="1"/>
-              <a:t>rsyslog</a:t>
-            </a:r>
-            <a:r>
-              <a:rPr lang="en-US" dirty="0"/>
-              <a:t> or syslog-ng are required to collect syslog messages. The default syslog daemon on version 5 of Red Hat Enterprise Linux, CentOS, and Oracle Linux version (</a:t>
-            </a:r>
-            <a:r>
-              <a:rPr lang="en-US" dirty="0" err="1"/>
-              <a:t>sysklog</a:t>
-            </a:r>
-            <a:r>
-              <a:rPr lang="en-US" dirty="0"/>
-              <a:t>) is not supported for syslog event collection. To collect syslog data from this version of these distributions, the </a:t>
-            </a:r>
-            <a:r>
-              <a:rPr lang="en-US" dirty="0" err="1"/>
-              <a:t>rsyslog</a:t>
-            </a:r>
-            <a:r>
-              <a:rPr lang="en-US" dirty="0"/>
-              <a:t> daemon should be installed and configured to replace </a:t>
-            </a:r>
-            <a:r>
-              <a:rPr lang="en-US" dirty="0" err="1"/>
-              <a:t>sysklog</a:t>
-            </a:r>
-            <a:endParaRPr lang="en-US" dirty="0"/>
-          </a:p>
-          <a:p>
-            <a:endParaRPr lang="en-US" dirty="0"/>
-          </a:p>
-          <a:p>
-            <a:r>
-              <a:rPr lang="en-US" dirty="0"/>
-              <a:t>Deployment</a:t>
-            </a:r>
-            <a:r>
-              <a:rPr lang="en-US" baseline="0" dirty="0"/>
-              <a:t> Methods</a:t>
-            </a:r>
-          </a:p>
-          <a:p>
-            <a:pPr marL="181240" indent="-181240">
-              <a:buFontTx/>
-              <a:buChar char="-"/>
-            </a:pPr>
-            <a:r>
-              <a:rPr lang="en-US" baseline="0" dirty="0" err="1"/>
-              <a:t>Github</a:t>
-            </a:r>
-            <a:endParaRPr lang="en-US" baseline="0" dirty="0"/>
-          </a:p>
-          <a:p>
-            <a:pPr marL="181240" indent="-181240">
-              <a:buFontTx/>
-              <a:buChar char="-"/>
-            </a:pPr>
-            <a:r>
-              <a:rPr lang="en-US" baseline="0" dirty="0"/>
-              <a:t>Azure VM Extension</a:t>
-            </a:r>
-            <a:endParaRPr lang="en-US" dirty="0"/>
-          </a:p>
-          <a:p>
-            <a:pPr rtl="0" eaLnBrk="1" fontAlgn="ctr" latinLnBrk="0" hangingPunct="1"/>
-            <a:endParaRPr lang="de-CH" dirty="0"/>
-          </a:p>
-          <a:p>
             <a:endParaRPr lang="en-US" dirty="0"/>
           </a:p>
         </p:txBody>
@@ -9585,268 +8224,6 @@
         <p:txBody>
           <a:bodyPr/>
           <a:lstStyle/>
-          <a:p>
-            <a:r>
-              <a:rPr lang="en-US" dirty="0" err="1">
-                <a:hlinkClick r:id="rId3"/>
-              </a:rPr>
-              <a:t>CollectD</a:t>
-            </a:r>
-            <a:r>
-              <a:rPr lang="en-US" dirty="0"/>
-              <a:t> is an open source Linux daemon that periodically collects data from applications and system level information. Example applications </a:t>
-            </a:r>
-            <a:r>
-              <a:rPr lang="en-US" dirty="0" err="1"/>
-              <a:t>CollectD</a:t>
-            </a:r>
-            <a:r>
-              <a:rPr lang="en-US" dirty="0"/>
-              <a:t> can collect metrics from include the Java Virtual Machine (JVM), MySQL Server, Nginx, etc. Current support for </a:t>
-            </a:r>
-            <a:r>
-              <a:rPr lang="en-US" dirty="0" err="1"/>
-              <a:t>CollectD</a:t>
-            </a:r>
-            <a:r>
-              <a:rPr lang="en-US" dirty="0"/>
-              <a:t> includes version 4.8+.</a:t>
-            </a:r>
-          </a:p>
-          <a:p>
-            <a:endParaRPr lang="en-US" dirty="0"/>
-          </a:p>
-          <a:p>
-            <a:r>
-              <a:rPr lang="en-US" dirty="0"/>
-              <a:t>This </a:t>
-            </a:r>
-            <a:r>
-              <a:rPr lang="en-US" dirty="0" err="1"/>
-              <a:t>CollectD</a:t>
-            </a:r>
-            <a:r>
-              <a:rPr lang="en-US" dirty="0"/>
-              <a:t> configuration uses the default </a:t>
-            </a:r>
-            <a:r>
-              <a:rPr lang="en-US" dirty="0" err="1"/>
-              <a:t>write_http</a:t>
-            </a:r>
-            <a:r>
-              <a:rPr lang="en-US" dirty="0"/>
-              <a:t> plugin to send metric data over port 26000 to OMS Agent for Linux. </a:t>
-            </a:r>
-            <a:r>
-              <a:rPr lang="en-US" b="1" dirty="0"/>
-              <a:t>Note:</a:t>
-            </a:r>
-            <a:r>
-              <a:rPr lang="en-US" dirty="0"/>
-              <a:t> This port can be configured to another port if needed.</a:t>
-            </a:r>
-          </a:p>
-          <a:p>
-            <a:r>
-              <a:rPr lang="en-US" dirty="0"/>
-              <a:t>The OMS Agent for Linux also listens on port 26000 for </a:t>
-            </a:r>
-            <a:r>
-              <a:rPr lang="en-US" dirty="0" err="1"/>
-              <a:t>CollectD</a:t>
-            </a:r>
-            <a:r>
-              <a:rPr lang="en-US" dirty="0"/>
-              <a:t> metrics and then converts them to OMS schema metrics.</a:t>
-            </a:r>
-          </a:p>
-          <a:p>
-            <a:endParaRPr lang="en-US" dirty="0"/>
-          </a:p>
-          <a:p>
-            <a:r>
-              <a:rPr lang="en-US" dirty="0"/>
-              <a:t>Schema Mapping</a:t>
-            </a:r>
-          </a:p>
-          <a:p>
-            <a:pPr rtl="0" eaLnBrk="1" fontAlgn="ctr" latinLnBrk="0" hangingPunct="1"/>
-            <a:r>
-              <a:rPr lang="de-CH" sz="1300" b="1" i="1" dirty="0" err="1"/>
-              <a:t>CollectD</a:t>
-            </a:r>
-            <a:r>
-              <a:rPr lang="de-CH" sz="1300" b="1" i="1" dirty="0"/>
-              <a:t> </a:t>
-            </a:r>
-            <a:r>
-              <a:rPr lang="de-CH" sz="1300" i="1" dirty="0"/>
-              <a:t>OMS</a:t>
-            </a:r>
-          </a:p>
-          <a:p>
-            <a:pPr rtl="0" eaLnBrk="1" fontAlgn="ctr" latinLnBrk="0" hangingPunct="1"/>
-            <a:r>
-              <a:rPr lang="de-CH" sz="1300" b="1" dirty="0"/>
-              <a:t>Host</a:t>
-            </a:r>
-            <a:r>
-              <a:rPr lang="de-CH" sz="1300" dirty="0"/>
-              <a:t> Computer</a:t>
-            </a:r>
-          </a:p>
-          <a:p>
-            <a:pPr rtl="0" eaLnBrk="1" fontAlgn="ctr" latinLnBrk="0" hangingPunct="1"/>
-            <a:r>
-              <a:rPr lang="de-CH" sz="1300" b="1" dirty="0" err="1"/>
-              <a:t>Plugin</a:t>
-            </a:r>
-            <a:r>
-              <a:rPr lang="de-CH" sz="1300" dirty="0"/>
-              <a:t> None</a:t>
-            </a:r>
-          </a:p>
-          <a:p>
-            <a:pPr rtl="0" eaLnBrk="1" fontAlgn="ctr" latinLnBrk="0" hangingPunct="1"/>
-            <a:r>
-              <a:rPr lang="de-CH" sz="1300" b="1" dirty="0" err="1"/>
-              <a:t>plugin_instance</a:t>
-            </a:r>
-            <a:r>
-              <a:rPr lang="de-CH" sz="1300" dirty="0"/>
-              <a:t> </a:t>
-            </a:r>
-            <a:r>
-              <a:rPr lang="en-US" sz="1300" dirty="0"/>
-              <a:t>Instance Name -- if </a:t>
-            </a:r>
-            <a:r>
-              <a:rPr lang="en-US" sz="1300" dirty="0" err="1"/>
-              <a:t>plugin_instance</a:t>
-            </a:r>
-            <a:r>
-              <a:rPr lang="en-US" sz="1300" dirty="0"/>
-              <a:t> is null then </a:t>
-            </a:r>
-            <a:r>
-              <a:rPr lang="en-US" sz="1300" dirty="0" err="1"/>
-              <a:t>InstanceName</a:t>
-            </a:r>
-            <a:r>
-              <a:rPr lang="en-US" sz="1300" dirty="0"/>
-              <a:t>="_Total"</a:t>
-            </a:r>
-            <a:endParaRPr lang="de-CH" sz="1300" dirty="0"/>
-          </a:p>
-          <a:p>
-            <a:pPr rtl="0" eaLnBrk="1" fontAlgn="ctr" latinLnBrk="0" hangingPunct="1"/>
-            <a:r>
-              <a:rPr lang="de-CH" sz="1300" b="1" dirty="0"/>
-              <a:t>Type</a:t>
-            </a:r>
-            <a:r>
-              <a:rPr lang="de-CH" sz="1300" dirty="0"/>
-              <a:t> </a:t>
-            </a:r>
-            <a:r>
-              <a:rPr lang="de-CH" sz="1300" dirty="0" err="1"/>
-              <a:t>ObjectName</a:t>
-            </a:r>
-            <a:endParaRPr lang="de-CH" sz="1300" dirty="0"/>
-          </a:p>
-          <a:p>
-            <a:pPr rtl="0" eaLnBrk="1" fontAlgn="ctr" latinLnBrk="0" hangingPunct="1"/>
-            <a:r>
-              <a:rPr lang="de-CH" sz="1300" b="1" dirty="0" err="1"/>
-              <a:t>type_instance</a:t>
-            </a:r>
-            <a:r>
-              <a:rPr lang="de-CH" sz="1300" dirty="0"/>
-              <a:t> </a:t>
-            </a:r>
-            <a:r>
-              <a:rPr lang="en-US" sz="1300" dirty="0" err="1"/>
-              <a:t>CounterName</a:t>
-            </a:r>
-            <a:r>
-              <a:rPr lang="en-US" sz="1300" dirty="0"/>
-              <a:t> -- if </a:t>
-            </a:r>
-            <a:r>
-              <a:rPr lang="en-US" sz="1300" dirty="0" err="1"/>
-              <a:t>type_instance</a:t>
-            </a:r>
-            <a:r>
-              <a:rPr lang="en-US" sz="1300" dirty="0"/>
-              <a:t> is null then </a:t>
-            </a:r>
-            <a:r>
-              <a:rPr lang="en-US" sz="1300" dirty="0" err="1"/>
-              <a:t>CounterName</a:t>
-            </a:r>
-            <a:r>
-              <a:rPr lang="en-US" sz="1300" dirty="0"/>
-              <a:t>=blank</a:t>
-            </a:r>
-            <a:endParaRPr lang="de-CH" sz="1300" dirty="0"/>
-          </a:p>
-          <a:p>
-            <a:pPr rtl="0" eaLnBrk="1" fontAlgn="ctr" latinLnBrk="0" hangingPunct="1"/>
-            <a:r>
-              <a:rPr lang="de-CH" sz="1300" b="1" dirty="0" err="1"/>
-              <a:t>dsnames</a:t>
-            </a:r>
-            <a:r>
-              <a:rPr lang="de-CH" sz="1300" b="1" dirty="0"/>
-              <a:t>[]</a:t>
-            </a:r>
-            <a:r>
-              <a:rPr lang="de-CH" sz="1300" dirty="0"/>
-              <a:t> </a:t>
-            </a:r>
-            <a:r>
-              <a:rPr lang="de-CH" sz="1300" dirty="0" err="1"/>
-              <a:t>CounterName</a:t>
-            </a:r>
-            <a:endParaRPr lang="de-CH" sz="1300" dirty="0"/>
-          </a:p>
-          <a:p>
-            <a:pPr rtl="0" eaLnBrk="1" fontAlgn="ctr" latinLnBrk="0" hangingPunct="1"/>
-            <a:r>
-              <a:rPr lang="de-CH" sz="1300" b="1" dirty="0" err="1"/>
-              <a:t>Dstypes</a:t>
-            </a:r>
-            <a:r>
-              <a:rPr lang="de-CH" sz="1300" dirty="0"/>
-              <a:t> None</a:t>
-            </a:r>
-          </a:p>
-          <a:p>
-            <a:pPr rtl="0" eaLnBrk="1" fontAlgn="ctr" latinLnBrk="0" hangingPunct="1"/>
-            <a:r>
-              <a:rPr lang="de-CH" sz="1300" b="1" dirty="0" err="1"/>
-              <a:t>values</a:t>
-            </a:r>
-            <a:r>
-              <a:rPr lang="de-CH" sz="1300" b="1" dirty="0"/>
-              <a:t>[]</a:t>
-            </a:r>
-            <a:r>
-              <a:rPr lang="de-CH" sz="1300" dirty="0"/>
-              <a:t> </a:t>
-            </a:r>
-            <a:r>
-              <a:rPr lang="de-CH" sz="1300" dirty="0" err="1"/>
-              <a:t>CounterValue</a:t>
-            </a:r>
-            <a:endParaRPr lang="de-CH" sz="1300" dirty="0"/>
-          </a:p>
-          <a:p>
-            <a:endParaRPr lang="en-US" dirty="0"/>
-          </a:p>
-          <a:p>
-            <a:endParaRPr lang="de-CH" dirty="0"/>
-          </a:p>
           <a:p>
             <a:endParaRPr lang="de-CH" dirty="0"/>
           </a:p>
@@ -10016,989 +8393,6 @@
           <a:bodyPr/>
           <a:lstStyle/>
           <a:p>
-            <a:r>
-              <a:rPr lang="de-CH" dirty="0"/>
-              <a:t># </a:t>
-            </a:r>
-            <a:r>
-              <a:rPr lang="de-CH" dirty="0" err="1"/>
-              <a:t>Install</a:t>
-            </a:r>
-            <a:r>
-              <a:rPr lang="de-CH" dirty="0"/>
-              <a:t> </a:t>
-            </a:r>
-            <a:r>
-              <a:rPr lang="de-CH" dirty="0" err="1"/>
-              <a:t>collectd</a:t>
-            </a:r>
-            <a:r>
-              <a:rPr lang="de-CH" dirty="0"/>
-              <a:t> </a:t>
-            </a:r>
-            <a:r>
-              <a:rPr lang="de-CH" dirty="0" err="1"/>
-              <a:t>ubuntu</a:t>
-            </a:r>
-            <a:endParaRPr lang="de-CH" dirty="0"/>
-          </a:p>
-          <a:p>
-            <a:r>
-              <a:rPr lang="de-CH" dirty="0" err="1"/>
-              <a:t>apt-get</a:t>
-            </a:r>
-            <a:r>
-              <a:rPr lang="de-CH" dirty="0"/>
-              <a:t> </a:t>
-            </a:r>
-            <a:r>
-              <a:rPr lang="de-CH" dirty="0" err="1"/>
-              <a:t>install</a:t>
-            </a:r>
-            <a:r>
-              <a:rPr lang="de-CH" dirty="0"/>
-              <a:t> </a:t>
-            </a:r>
-            <a:r>
-              <a:rPr lang="de-CH" dirty="0" err="1"/>
-              <a:t>collectd</a:t>
-            </a:r>
-            <a:r>
-              <a:rPr lang="de-CH" dirty="0"/>
-              <a:t> --</a:t>
-            </a:r>
-            <a:r>
-              <a:rPr lang="de-CH" dirty="0" err="1"/>
-              <a:t>no-install-recommends</a:t>
-            </a:r>
-            <a:r>
-              <a:rPr lang="de-CH" dirty="0"/>
-              <a:t> </a:t>
-            </a:r>
-            <a:r>
-              <a:rPr lang="de-CH" dirty="0" err="1"/>
-              <a:t>collectd</a:t>
-            </a:r>
-            <a:endParaRPr lang="de-CH" dirty="0"/>
-          </a:p>
-          <a:p>
-            <a:endParaRPr lang="de-CH" dirty="0"/>
-          </a:p>
-          <a:p>
-            <a:r>
-              <a:rPr lang="de-CH" dirty="0"/>
-              <a:t># Modify </a:t>
-            </a:r>
-            <a:r>
-              <a:rPr lang="de-CH" dirty="0" err="1"/>
-              <a:t>config</a:t>
-            </a:r>
-            <a:r>
-              <a:rPr lang="de-CH" dirty="0"/>
-              <a:t> /</a:t>
-            </a:r>
-            <a:r>
-              <a:rPr lang="de-CH" dirty="0" err="1"/>
-              <a:t>etc</a:t>
-            </a:r>
-            <a:r>
-              <a:rPr lang="de-CH" dirty="0"/>
-              <a:t>/</a:t>
-            </a:r>
-            <a:r>
-              <a:rPr lang="de-CH" dirty="0" err="1"/>
-              <a:t>collectd</a:t>
-            </a:r>
-            <a:r>
-              <a:rPr lang="de-CH" dirty="0"/>
-              <a:t>/</a:t>
-            </a:r>
-            <a:r>
-              <a:rPr lang="de-CH" dirty="0" err="1"/>
-              <a:t>collectd.conf</a:t>
-            </a:r>
-            <a:endParaRPr lang="de-CH" dirty="0"/>
-          </a:p>
-          <a:p>
-            <a:r>
-              <a:rPr lang="de-CH" dirty="0"/>
-              <a:t># </a:t>
-            </a:r>
-            <a:r>
-              <a:rPr lang="de-CH" dirty="0" err="1"/>
-              <a:t>Uncomment</a:t>
-            </a:r>
-            <a:r>
-              <a:rPr lang="de-CH" dirty="0"/>
-              <a:t> </a:t>
-            </a:r>
-            <a:r>
-              <a:rPr lang="de-CH" dirty="0" err="1"/>
-              <a:t>uptime</a:t>
-            </a:r>
-            <a:r>
-              <a:rPr lang="de-CH" dirty="0"/>
-              <a:t> </a:t>
-            </a:r>
-            <a:r>
-              <a:rPr lang="de-CH" dirty="0" err="1"/>
-              <a:t>and</a:t>
-            </a:r>
-            <a:r>
-              <a:rPr lang="de-CH" dirty="0"/>
-              <a:t> </a:t>
-            </a:r>
-            <a:r>
-              <a:rPr lang="de-CH" dirty="0" err="1"/>
-              <a:t>users</a:t>
-            </a:r>
-            <a:endParaRPr lang="de-CH" dirty="0"/>
-          </a:p>
-          <a:p>
-            <a:endParaRPr lang="de-CH" dirty="0"/>
-          </a:p>
-          <a:p>
-            <a:r>
-              <a:rPr lang="de-CH" dirty="0"/>
-              <a:t>## </a:t>
-            </a:r>
-            <a:r>
-              <a:rPr lang="de-CH" dirty="0" err="1"/>
-              <a:t>Install</a:t>
-            </a:r>
-            <a:r>
-              <a:rPr lang="de-CH" dirty="0"/>
-              <a:t> OMS </a:t>
-            </a:r>
-            <a:r>
-              <a:rPr lang="de-CH" dirty="0" err="1"/>
-              <a:t>agent</a:t>
-            </a:r>
-            <a:endParaRPr lang="de-CH" dirty="0"/>
-          </a:p>
-          <a:p>
-            <a:endParaRPr lang="de-CH" dirty="0"/>
-          </a:p>
-          <a:p>
-            <a:r>
-              <a:rPr lang="de-CH" dirty="0"/>
-              <a:t># Download </a:t>
-            </a:r>
-            <a:r>
-              <a:rPr lang="de-CH" dirty="0" err="1"/>
-              <a:t>source</a:t>
-            </a:r>
-            <a:endParaRPr lang="de-CH" dirty="0"/>
-          </a:p>
-          <a:p>
-            <a:r>
-              <a:rPr lang="de-CH" dirty="0" err="1"/>
-              <a:t>wget</a:t>
-            </a:r>
-            <a:r>
-              <a:rPr lang="de-CH" dirty="0"/>
-              <a:t> https://github.com/Microsoft/OMS-Agent-for-Linux/releases/download/v1.1.0-217/omsagent-1.1.0-217.universal.x64.sh</a:t>
-            </a:r>
-          </a:p>
-          <a:p>
-            <a:endParaRPr lang="de-CH" dirty="0"/>
-          </a:p>
-          <a:p>
-            <a:r>
-              <a:rPr lang="de-CH" dirty="0"/>
-              <a:t># </a:t>
-            </a:r>
-            <a:r>
-              <a:rPr lang="de-CH" dirty="0" err="1"/>
-              <a:t>Extract</a:t>
-            </a:r>
-            <a:r>
-              <a:rPr lang="de-CH" dirty="0"/>
-              <a:t> </a:t>
-            </a:r>
-            <a:r>
-              <a:rPr lang="de-CH" dirty="0" err="1"/>
-              <a:t>oms</a:t>
-            </a:r>
-            <a:r>
-              <a:rPr lang="de-CH" dirty="0"/>
-              <a:t> </a:t>
-            </a:r>
-            <a:r>
-              <a:rPr lang="de-CH" dirty="0" err="1"/>
-              <a:t>agent</a:t>
-            </a:r>
-            <a:endParaRPr lang="de-CH" dirty="0"/>
-          </a:p>
-          <a:p>
-            <a:r>
-              <a:rPr lang="de-CH" dirty="0" err="1"/>
-              <a:t>sudo</a:t>
-            </a:r>
-            <a:r>
-              <a:rPr lang="de-CH" dirty="0"/>
-              <a:t> sh omsagent-1.1.0-217.universal.x64.sh --</a:t>
-            </a:r>
-            <a:r>
-              <a:rPr lang="de-CH" dirty="0" err="1"/>
-              <a:t>extract</a:t>
-            </a:r>
-            <a:endParaRPr lang="de-CH" dirty="0"/>
-          </a:p>
-          <a:p>
-            <a:endParaRPr lang="de-CH" dirty="0"/>
-          </a:p>
-          <a:p>
-            <a:r>
-              <a:rPr lang="de-CH" dirty="0"/>
-              <a:t>~/omsbundle.5520$ </a:t>
-            </a:r>
-            <a:r>
-              <a:rPr lang="de-CH" dirty="0" err="1"/>
-              <a:t>ls</a:t>
-            </a:r>
-            <a:r>
-              <a:rPr lang="de-CH" dirty="0"/>
-              <a:t> -la</a:t>
-            </a:r>
-          </a:p>
-          <a:p>
-            <a:r>
-              <a:rPr lang="de-CH" dirty="0"/>
-              <a:t>total 20</a:t>
-            </a:r>
-          </a:p>
-          <a:p>
-            <a:r>
-              <a:rPr lang="de-CH" dirty="0" err="1"/>
-              <a:t>drwxr</a:t>
-            </a:r>
-            <a:r>
-              <a:rPr lang="de-CH" dirty="0"/>
-              <a:t>-</a:t>
-            </a:r>
-            <a:r>
-              <a:rPr lang="de-CH" dirty="0" err="1"/>
-              <a:t>xr</a:t>
-            </a:r>
-            <a:r>
-              <a:rPr lang="de-CH" dirty="0"/>
-              <a:t>-x 5 </a:t>
-            </a:r>
-            <a:r>
-              <a:rPr lang="de-CH" dirty="0" err="1"/>
-              <a:t>root</a:t>
-            </a:r>
-            <a:r>
-              <a:rPr lang="de-CH" dirty="0"/>
-              <a:t>    </a:t>
-            </a:r>
-            <a:r>
-              <a:rPr lang="de-CH" dirty="0" err="1"/>
-              <a:t>root</a:t>
-            </a:r>
-            <a:r>
-              <a:rPr lang="de-CH" dirty="0"/>
-              <a:t>    4096 Aug 21 21:50 .</a:t>
-            </a:r>
-          </a:p>
-          <a:p>
-            <a:r>
-              <a:rPr lang="de-CH" dirty="0" err="1"/>
-              <a:t>drwxr</a:t>
-            </a:r>
-            <a:r>
-              <a:rPr lang="de-CH" dirty="0"/>
-              <a:t>-</a:t>
-            </a:r>
-            <a:r>
-              <a:rPr lang="de-CH" dirty="0" err="1"/>
-              <a:t>xr</a:t>
-            </a:r>
-            <a:r>
-              <a:rPr lang="de-CH" dirty="0"/>
-              <a:t>-x 5 </a:t>
-            </a:r>
-            <a:r>
-              <a:rPr lang="de-CH" dirty="0" err="1"/>
-              <a:t>sjohner</a:t>
-            </a:r>
-            <a:r>
-              <a:rPr lang="de-CH" dirty="0"/>
-              <a:t> </a:t>
-            </a:r>
-            <a:r>
-              <a:rPr lang="de-CH" dirty="0" err="1"/>
-              <a:t>sjohner</a:t>
-            </a:r>
-            <a:r>
-              <a:rPr lang="de-CH" dirty="0"/>
-              <a:t> 4096 Aug 21 21:50 ..</a:t>
-            </a:r>
-          </a:p>
-          <a:p>
-            <a:r>
-              <a:rPr lang="de-CH" dirty="0" err="1"/>
-              <a:t>drwxr</a:t>
-            </a:r>
-            <a:r>
-              <a:rPr lang="de-CH" dirty="0"/>
-              <a:t>-</a:t>
-            </a:r>
-            <a:r>
-              <a:rPr lang="de-CH" dirty="0" err="1"/>
-              <a:t>xr</a:t>
-            </a:r>
-            <a:r>
-              <a:rPr lang="de-CH" dirty="0"/>
-              <a:t>-x 2 </a:t>
-            </a:r>
-            <a:r>
-              <a:rPr lang="de-CH" dirty="0" err="1"/>
-              <a:t>root</a:t>
-            </a:r>
-            <a:r>
-              <a:rPr lang="de-CH" dirty="0"/>
-              <a:t>    </a:t>
-            </a:r>
-            <a:r>
-              <a:rPr lang="de-CH" dirty="0" err="1"/>
-              <a:t>root</a:t>
-            </a:r>
-            <a:r>
-              <a:rPr lang="de-CH" dirty="0"/>
-              <a:t>    4096 Aug 21 21:50 098</a:t>
-            </a:r>
-          </a:p>
-          <a:p>
-            <a:r>
-              <a:rPr lang="de-CH" dirty="0" err="1"/>
-              <a:t>drwxr</a:t>
-            </a:r>
-            <a:r>
-              <a:rPr lang="de-CH" dirty="0"/>
-              <a:t>-</a:t>
-            </a:r>
-            <a:r>
-              <a:rPr lang="de-CH" dirty="0" err="1"/>
-              <a:t>xr</a:t>
-            </a:r>
-            <a:r>
-              <a:rPr lang="de-CH" dirty="0"/>
-              <a:t>-x 2 </a:t>
-            </a:r>
-            <a:r>
-              <a:rPr lang="de-CH" dirty="0" err="1"/>
-              <a:t>root</a:t>
-            </a:r>
-            <a:r>
-              <a:rPr lang="de-CH" dirty="0"/>
-              <a:t>    </a:t>
-            </a:r>
-            <a:r>
-              <a:rPr lang="de-CH" dirty="0" err="1"/>
-              <a:t>root</a:t>
-            </a:r>
-            <a:r>
-              <a:rPr lang="de-CH" dirty="0"/>
-              <a:t>    4096 Aug 21 21:50 100</a:t>
-            </a:r>
-          </a:p>
-          <a:p>
-            <a:r>
-              <a:rPr lang="de-CH" dirty="0" err="1"/>
-              <a:t>drwxr</a:t>
-            </a:r>
-            <a:r>
-              <a:rPr lang="de-CH" dirty="0"/>
-              <a:t>-</a:t>
-            </a:r>
-            <a:r>
-              <a:rPr lang="de-CH" dirty="0" err="1"/>
-              <a:t>xr</a:t>
-            </a:r>
-            <a:r>
-              <a:rPr lang="de-CH" dirty="0"/>
-              <a:t>-x 2 </a:t>
-            </a:r>
-            <a:r>
-              <a:rPr lang="de-CH" dirty="0" err="1"/>
-              <a:t>root</a:t>
-            </a:r>
-            <a:r>
-              <a:rPr lang="de-CH" dirty="0"/>
-              <a:t>    </a:t>
-            </a:r>
-            <a:r>
-              <a:rPr lang="de-CH" dirty="0" err="1"/>
-              <a:t>root</a:t>
-            </a:r>
-            <a:r>
-              <a:rPr lang="de-CH" dirty="0"/>
-              <a:t>    4096 Aug 21 21:50 </a:t>
-            </a:r>
-            <a:r>
-              <a:rPr lang="de-CH" dirty="0" err="1"/>
-              <a:t>oss</a:t>
-            </a:r>
-            <a:r>
-              <a:rPr lang="de-CH" dirty="0"/>
-              <a:t>-kits</a:t>
-            </a:r>
-          </a:p>
-          <a:p>
-            <a:endParaRPr lang="de-CH" dirty="0"/>
-          </a:p>
-          <a:p>
-            <a:r>
-              <a:rPr lang="de-CH" dirty="0"/>
-              <a:t># </a:t>
-            </a:r>
-            <a:r>
-              <a:rPr lang="de-CH" dirty="0" err="1"/>
-              <a:t>OpenSSL</a:t>
-            </a:r>
-            <a:r>
-              <a:rPr lang="de-CH" dirty="0"/>
-              <a:t> </a:t>
-            </a:r>
-            <a:r>
-              <a:rPr lang="de-CH" dirty="0" err="1"/>
-              <a:t>version</a:t>
-            </a:r>
-            <a:endParaRPr lang="de-CH" dirty="0"/>
-          </a:p>
-          <a:p>
-            <a:r>
-              <a:rPr lang="de-CH" dirty="0" err="1"/>
-              <a:t>vim</a:t>
-            </a:r>
-            <a:r>
-              <a:rPr lang="de-CH" dirty="0"/>
-              <a:t> omsagent-1.1.0-217.universal.x64.sh</a:t>
-            </a:r>
-          </a:p>
-          <a:p>
-            <a:endParaRPr lang="de-CH" dirty="0"/>
-          </a:p>
-          <a:p>
-            <a:r>
-              <a:rPr lang="de-CH" dirty="0"/>
-              <a:t># Set </a:t>
-            </a:r>
-            <a:r>
-              <a:rPr lang="de-CH" dirty="0" err="1"/>
-              <a:t>line</a:t>
-            </a:r>
-            <a:r>
-              <a:rPr lang="de-CH" dirty="0"/>
-              <a:t> </a:t>
-            </a:r>
-            <a:r>
-              <a:rPr lang="de-CH" dirty="0" err="1"/>
-              <a:t>numbers</a:t>
-            </a:r>
-            <a:endParaRPr lang="de-CH" dirty="0"/>
-          </a:p>
-          <a:p>
-            <a:r>
-              <a:rPr lang="de-CH" dirty="0"/>
-              <a:t>:</a:t>
-            </a:r>
-            <a:r>
-              <a:rPr lang="de-CH" dirty="0" err="1"/>
-              <a:t>set</a:t>
-            </a:r>
-            <a:r>
-              <a:rPr lang="de-CH" dirty="0"/>
-              <a:t> nu</a:t>
-            </a:r>
-          </a:p>
-          <a:p>
-            <a:r>
-              <a:rPr lang="de-CH" dirty="0"/>
-              <a:t>:198</a:t>
-            </a:r>
-          </a:p>
-          <a:p>
-            <a:r>
-              <a:rPr lang="de-CH" dirty="0"/>
-              <a:t>    OPENSSL_SYSTEM_VERSION_098=`echo $OPENSSL_SYSTEM_VERSION_FULL | </a:t>
-            </a:r>
-            <a:r>
-              <a:rPr lang="de-CH" dirty="0" err="1"/>
-              <a:t>grep</a:t>
-            </a:r>
-            <a:r>
-              <a:rPr lang="de-CH" dirty="0"/>
-              <a:t> -</a:t>
-            </a:r>
-            <a:r>
-              <a:rPr lang="de-CH" dirty="0" err="1"/>
-              <a:t>Eq</a:t>
-            </a:r>
-            <a:r>
-              <a:rPr lang="de-CH" dirty="0"/>
-              <a:t> '^0.9.8'; echo $?`</a:t>
-            </a:r>
-          </a:p>
-          <a:p>
-            <a:r>
-              <a:rPr lang="de-CH" dirty="0"/>
-              <a:t>    OPENSSL_SYSTEM_VERSION_100=`echo $OPENSSL_SYSTEM_VERSION_FULL | </a:t>
-            </a:r>
-            <a:r>
-              <a:rPr lang="de-CH" dirty="0" err="1"/>
-              <a:t>grep</a:t>
-            </a:r>
-            <a:r>
-              <a:rPr lang="de-CH" dirty="0"/>
-              <a:t> -</a:t>
-            </a:r>
-            <a:r>
-              <a:rPr lang="de-CH" dirty="0" err="1"/>
-              <a:t>Eq</a:t>
-            </a:r>
-            <a:r>
-              <a:rPr lang="de-CH" dirty="0"/>
-              <a:t> '^1.0.'; echo $?`</a:t>
-            </a:r>
-          </a:p>
-          <a:p>
-            <a:r>
-              <a:rPr lang="de-CH" dirty="0"/>
-              <a:t>    </a:t>
-            </a:r>
-            <a:r>
-              <a:rPr lang="de-CH" dirty="0" err="1"/>
-              <a:t>if</a:t>
-            </a:r>
-            <a:r>
-              <a:rPr lang="de-CH" dirty="0"/>
-              <a:t> [ $OPENSSL_SYSTEM_VERSION_098 = 0 ]; </a:t>
-            </a:r>
-            <a:r>
-              <a:rPr lang="de-CH" dirty="0" err="1"/>
-              <a:t>then</a:t>
-            </a:r>
-            <a:endParaRPr lang="de-CH" dirty="0"/>
-          </a:p>
-          <a:p>
-            <a:r>
-              <a:rPr lang="de-CH" dirty="0"/>
-              <a:t>        TMPBINDIR=098</a:t>
-            </a:r>
-          </a:p>
-          <a:p>
-            <a:r>
-              <a:rPr lang="de-CH" dirty="0"/>
-              <a:t>    </a:t>
-            </a:r>
-            <a:r>
-              <a:rPr lang="de-CH" dirty="0" err="1"/>
-              <a:t>elif</a:t>
-            </a:r>
-            <a:r>
-              <a:rPr lang="de-CH" dirty="0"/>
-              <a:t> [ $OPENSSL_SYSTEM_VERSION_100 = 0 ]; </a:t>
-            </a:r>
-            <a:r>
-              <a:rPr lang="de-CH" dirty="0" err="1"/>
-              <a:t>then</a:t>
-            </a:r>
-            <a:endParaRPr lang="de-CH" dirty="0"/>
-          </a:p>
-          <a:p>
-            <a:r>
-              <a:rPr lang="de-CH" dirty="0"/>
-              <a:t>        TMPBINDIR=100</a:t>
-            </a:r>
-          </a:p>
-          <a:p>
-            <a:endParaRPr lang="de-CH" dirty="0"/>
-          </a:p>
-          <a:p>
-            <a:r>
-              <a:rPr lang="de-CH" dirty="0"/>
-              <a:t># </a:t>
-            </a:r>
-            <a:r>
-              <a:rPr lang="de-CH" dirty="0" err="1"/>
-              <a:t>Install</a:t>
-            </a:r>
-            <a:r>
-              <a:rPr lang="de-CH" dirty="0"/>
-              <a:t> </a:t>
-            </a:r>
-            <a:r>
-              <a:rPr lang="de-CH" dirty="0" err="1"/>
-              <a:t>agent</a:t>
-            </a:r>
-            <a:endParaRPr lang="de-CH" dirty="0"/>
-          </a:p>
-          <a:p>
-            <a:r>
-              <a:rPr lang="de-CH" dirty="0" err="1"/>
-              <a:t>apt-get</a:t>
-            </a:r>
-            <a:r>
-              <a:rPr lang="de-CH" dirty="0"/>
-              <a:t> </a:t>
-            </a:r>
-            <a:r>
-              <a:rPr lang="de-CH" dirty="0" err="1"/>
-              <a:t>install</a:t>
-            </a:r>
-            <a:r>
-              <a:rPr lang="de-CH" dirty="0"/>
-              <a:t> </a:t>
-            </a:r>
-            <a:r>
-              <a:rPr lang="de-CH" dirty="0" err="1"/>
-              <a:t>python-ctype</a:t>
-            </a:r>
-            <a:endParaRPr lang="de-CH" dirty="0"/>
-          </a:p>
-          <a:p>
-            <a:endParaRPr lang="de-CH" dirty="0"/>
-          </a:p>
-          <a:p>
-            <a:r>
-              <a:rPr lang="de-CH" dirty="0" err="1"/>
-              <a:t>wget</a:t>
-            </a:r>
-            <a:r>
-              <a:rPr lang="de-CH" dirty="0"/>
-              <a:t> https://github.com/Microsoft/OMS-Agent-for-Linux/releases/download/v1.1.0-217/omsagent-1.1.0-217.universal.x64.sh</a:t>
-            </a:r>
-          </a:p>
-          <a:p>
-            <a:endParaRPr lang="de-CH" dirty="0"/>
-          </a:p>
-          <a:p>
-            <a:r>
-              <a:rPr lang="de-CH" dirty="0"/>
-              <a:t>sha256sum ./omsagent-1.1.0-217.universal.x64.sh</a:t>
-            </a:r>
-          </a:p>
-          <a:p>
-            <a:endParaRPr lang="de-CH" dirty="0"/>
-          </a:p>
-          <a:p>
-            <a:r>
-              <a:rPr lang="de-CH" dirty="0" err="1"/>
-              <a:t>sudo</a:t>
-            </a:r>
-            <a:r>
-              <a:rPr lang="de-CH" dirty="0"/>
-              <a:t> sh ./omsagent-1.1.0-217.universal.x64.sh --upgrade --</a:t>
-            </a:r>
-            <a:r>
-              <a:rPr lang="de-CH" dirty="0" err="1"/>
-              <a:t>collectd</a:t>
-            </a:r>
-            <a:r>
-              <a:rPr lang="de-CH" dirty="0"/>
-              <a:t> -w f5a67315-4fac-4b68-8b67-e3a22a4fe9e9 -s W9QmwfUVh8z8Za9LlsdVmdoz4bheTEDME9i/TY9vyTrj180clHjndwyuXgCupYUQqUEWzcY3cIL0kKJ8dMPQHA==</a:t>
-            </a:r>
-          </a:p>
-          <a:p>
-            <a:endParaRPr lang="de-CH" dirty="0"/>
-          </a:p>
-          <a:p>
-            <a:r>
-              <a:rPr lang="de-CH" dirty="0" err="1"/>
-              <a:t>sudo</a:t>
-            </a:r>
-            <a:r>
-              <a:rPr lang="de-CH" dirty="0"/>
-              <a:t> </a:t>
-            </a:r>
-            <a:r>
-              <a:rPr lang="de-CH" dirty="0" err="1"/>
-              <a:t>service</a:t>
-            </a:r>
-            <a:r>
-              <a:rPr lang="de-CH" dirty="0"/>
-              <a:t> </a:t>
-            </a:r>
-            <a:r>
-              <a:rPr lang="de-CH" dirty="0" err="1"/>
-              <a:t>collectd</a:t>
-            </a:r>
-            <a:r>
-              <a:rPr lang="de-CH" dirty="0"/>
-              <a:t> </a:t>
-            </a:r>
-            <a:r>
-              <a:rPr lang="de-CH" dirty="0" err="1"/>
-              <a:t>restart</a:t>
-            </a:r>
-            <a:endParaRPr lang="de-CH" dirty="0"/>
-          </a:p>
-          <a:p>
-            <a:endParaRPr lang="de-CH" dirty="0"/>
-          </a:p>
-          <a:p>
-            <a:r>
-              <a:rPr lang="de-CH" dirty="0"/>
-              <a:t># Show </a:t>
-            </a:r>
-            <a:r>
-              <a:rPr lang="de-CH" dirty="0" err="1"/>
-              <a:t>collectd</a:t>
-            </a:r>
-            <a:r>
-              <a:rPr lang="de-CH" dirty="0"/>
-              <a:t> </a:t>
-            </a:r>
-            <a:r>
-              <a:rPr lang="de-CH" dirty="0" err="1"/>
-              <a:t>config</a:t>
-            </a:r>
-            <a:endParaRPr lang="de-CH" dirty="0"/>
-          </a:p>
-          <a:p>
-            <a:r>
-              <a:rPr lang="de-CH" dirty="0" err="1"/>
-              <a:t>less</a:t>
-            </a:r>
-            <a:r>
-              <a:rPr lang="de-CH" dirty="0"/>
-              <a:t> /</a:t>
-            </a:r>
-            <a:r>
-              <a:rPr lang="de-CH" dirty="0" err="1"/>
-              <a:t>etc</a:t>
-            </a:r>
-            <a:r>
-              <a:rPr lang="de-CH" dirty="0"/>
-              <a:t>/</a:t>
-            </a:r>
-            <a:r>
-              <a:rPr lang="de-CH" dirty="0" err="1"/>
-              <a:t>collectd</a:t>
-            </a:r>
-            <a:r>
-              <a:rPr lang="de-CH" dirty="0"/>
-              <a:t>/</a:t>
-            </a:r>
-            <a:r>
-              <a:rPr lang="de-CH" dirty="0" err="1"/>
-              <a:t>collectd.conf.d</a:t>
-            </a:r>
-            <a:r>
-              <a:rPr lang="de-CH" dirty="0"/>
-              <a:t>/</a:t>
-            </a:r>
-            <a:r>
-              <a:rPr lang="de-CH" dirty="0" err="1"/>
-              <a:t>oms.conf</a:t>
-            </a:r>
-            <a:endParaRPr lang="de-CH" dirty="0"/>
-          </a:p>
-          <a:p>
-            <a:endParaRPr lang="de-CH" dirty="0"/>
-          </a:p>
-          <a:p>
-            <a:r>
-              <a:rPr lang="de-CH" dirty="0" err="1"/>
-              <a:t>LoadPlugin</a:t>
-            </a:r>
-            <a:r>
-              <a:rPr lang="de-CH" dirty="0"/>
-              <a:t> </a:t>
-            </a:r>
-            <a:r>
-              <a:rPr lang="de-CH" dirty="0" err="1"/>
-              <a:t>write_http</a:t>
-            </a:r>
-            <a:endParaRPr lang="de-CH" dirty="0"/>
-          </a:p>
-          <a:p>
-            <a:endParaRPr lang="de-CH" dirty="0"/>
-          </a:p>
-          <a:p>
-            <a:r>
-              <a:rPr lang="de-CH" dirty="0"/>
-              <a:t>&lt;</a:t>
-            </a:r>
-            <a:r>
-              <a:rPr lang="de-CH" dirty="0" err="1"/>
-              <a:t>Plugin</a:t>
-            </a:r>
-            <a:r>
-              <a:rPr lang="de-CH" dirty="0"/>
-              <a:t> </a:t>
-            </a:r>
-            <a:r>
-              <a:rPr lang="de-CH" dirty="0" err="1"/>
-              <a:t>write_http</a:t>
-            </a:r>
-            <a:r>
-              <a:rPr lang="de-CH" dirty="0"/>
-              <a:t>&gt;</a:t>
-            </a:r>
-          </a:p>
-          <a:p>
-            <a:r>
-              <a:rPr lang="de-CH" dirty="0"/>
-              <a:t>         &lt;</a:t>
-            </a:r>
-            <a:r>
-              <a:rPr lang="de-CH" dirty="0" err="1"/>
-              <a:t>Node</a:t>
-            </a:r>
-            <a:r>
-              <a:rPr lang="de-CH" dirty="0"/>
-              <a:t> "</a:t>
-            </a:r>
-            <a:r>
-              <a:rPr lang="de-CH" dirty="0" err="1"/>
-              <a:t>oms</a:t>
-            </a:r>
-            <a:r>
-              <a:rPr lang="de-CH" dirty="0"/>
-              <a:t>"&gt;</a:t>
-            </a:r>
-          </a:p>
-          <a:p>
-            <a:r>
-              <a:rPr lang="de-CH" dirty="0"/>
-              <a:t>         URL "127.0.0.1:26000/</a:t>
-            </a:r>
-            <a:r>
-              <a:rPr lang="de-CH" dirty="0" err="1"/>
-              <a:t>oms.collectd</a:t>
-            </a:r>
-            <a:r>
-              <a:rPr lang="de-CH" dirty="0"/>
-              <a:t>"</a:t>
-            </a:r>
-          </a:p>
-          <a:p>
-            <a:r>
-              <a:rPr lang="de-CH" dirty="0"/>
-              <a:t>         Format "JSON"</a:t>
-            </a:r>
-          </a:p>
-          <a:p>
-            <a:r>
-              <a:rPr lang="de-CH" dirty="0"/>
-              <a:t>         </a:t>
-            </a:r>
-            <a:r>
-              <a:rPr lang="de-CH" dirty="0" err="1"/>
-              <a:t>StoreRates</a:t>
-            </a:r>
-            <a:r>
-              <a:rPr lang="de-CH" dirty="0"/>
-              <a:t> </a:t>
-            </a:r>
-            <a:r>
-              <a:rPr lang="de-CH" dirty="0" err="1"/>
-              <a:t>true</a:t>
-            </a:r>
-            <a:endParaRPr lang="de-CH" dirty="0"/>
-          </a:p>
-          <a:p>
-            <a:r>
-              <a:rPr lang="de-CH" dirty="0"/>
-              <a:t>         &lt;/</a:t>
-            </a:r>
-            <a:r>
-              <a:rPr lang="de-CH" dirty="0" err="1"/>
-              <a:t>Node</a:t>
-            </a:r>
-            <a:r>
-              <a:rPr lang="de-CH" dirty="0"/>
-              <a:t>&gt;</a:t>
-            </a:r>
-          </a:p>
-          <a:p>
-            <a:r>
-              <a:rPr lang="de-CH" dirty="0"/>
-              <a:t>&lt;/</a:t>
-            </a:r>
-            <a:r>
-              <a:rPr lang="de-CH" dirty="0" err="1"/>
-              <a:t>Plugin</a:t>
-            </a:r>
-            <a:r>
-              <a:rPr lang="de-CH" dirty="0"/>
-              <a:t>&gt;</a:t>
-            </a:r>
-          </a:p>
-          <a:p>
-            <a:endParaRPr lang="de-CH" dirty="0"/>
-          </a:p>
-          <a:p>
-            <a:r>
-              <a:rPr lang="de-CH" dirty="0"/>
-              <a:t># VM Extension</a:t>
-            </a:r>
-          </a:p>
-          <a:p>
-            <a:r>
-              <a:rPr lang="de-CH" dirty="0" err="1"/>
-              <a:t>sudo</a:t>
-            </a:r>
-            <a:r>
-              <a:rPr lang="de-CH" dirty="0"/>
-              <a:t> </a:t>
-            </a:r>
-            <a:r>
-              <a:rPr lang="de-CH" dirty="0" err="1"/>
-              <a:t>azure</a:t>
-            </a:r>
-            <a:r>
-              <a:rPr lang="de-CH" dirty="0"/>
-              <a:t> </a:t>
-            </a:r>
-            <a:r>
-              <a:rPr lang="de-CH" dirty="0" err="1"/>
-              <a:t>vm</a:t>
-            </a:r>
-            <a:r>
-              <a:rPr lang="de-CH" dirty="0"/>
-              <a:t> </a:t>
-            </a:r>
-            <a:r>
-              <a:rPr lang="de-CH" dirty="0" err="1"/>
-              <a:t>extension</a:t>
-            </a:r>
-            <a:r>
-              <a:rPr lang="de-CH" dirty="0"/>
-              <a:t>-image </a:t>
-            </a:r>
-            <a:r>
-              <a:rPr lang="de-CH" dirty="0" err="1"/>
-              <a:t>list</a:t>
-            </a:r>
-            <a:r>
-              <a:rPr lang="de-CH" dirty="0"/>
-              <a:t> </a:t>
-            </a:r>
-            <a:r>
-              <a:rPr lang="de-CH" dirty="0" err="1"/>
-              <a:t>westeurope</a:t>
-            </a:r>
-            <a:r>
-              <a:rPr lang="de-CH" dirty="0"/>
-              <a:t> </a:t>
-            </a:r>
-            <a:r>
-              <a:rPr lang="de-CH" dirty="0" err="1"/>
-              <a:t>Microsoft.EnterpriseCloud.Monitoring</a:t>
-            </a:r>
-            <a:r>
-              <a:rPr lang="de-CH" dirty="0"/>
-              <a:t> </a:t>
-            </a:r>
-            <a:r>
-              <a:rPr lang="de-CH" dirty="0" err="1"/>
-              <a:t>OmsAgentForLinux</a:t>
-            </a:r>
             <a:endParaRPr lang="de-CH" dirty="0"/>
           </a:p>
         </p:txBody>
@@ -11029,7 +8423,7 @@
     </p:spTree>
     <p:extLst>
       <p:ext uri="{BB962C8B-B14F-4D97-AF65-F5344CB8AC3E}">
-        <p14:creationId xmlns:p14="http://schemas.microsoft.com/office/powerpoint/2010/main" val="752210522"/>
+        <p14:creationId xmlns:p14="http://schemas.microsoft.com/office/powerpoint/2010/main" val="3065608091"/>
       </p:ext>
     </p:extLst>
   </p:cSld>
@@ -11113,7 +8507,7 @@
     </p:spTree>
     <p:extLst>
       <p:ext uri="{BB962C8B-B14F-4D97-AF65-F5344CB8AC3E}">
-        <p14:creationId xmlns:p14="http://schemas.microsoft.com/office/powerpoint/2010/main" val="2997491142"/>
+        <p14:creationId xmlns:p14="http://schemas.microsoft.com/office/powerpoint/2010/main" val="752210522"/>
       </p:ext>
     </p:extLst>
   </p:cSld>
@@ -11197,7 +8591,7 @@
     </p:spTree>
     <p:extLst>
       <p:ext uri="{BB962C8B-B14F-4D97-AF65-F5344CB8AC3E}">
-        <p14:creationId xmlns:p14="http://schemas.microsoft.com/office/powerpoint/2010/main" val="2292930002"/>
+        <p14:creationId xmlns:p14="http://schemas.microsoft.com/office/powerpoint/2010/main" val="2997491142"/>
       </p:ext>
     </p:extLst>
   </p:cSld>
@@ -11281,7 +8675,7 @@
     </p:spTree>
     <p:extLst>
       <p:ext uri="{BB962C8B-B14F-4D97-AF65-F5344CB8AC3E}">
-        <p14:creationId xmlns:p14="http://schemas.microsoft.com/office/powerpoint/2010/main" val="3065608091"/>
+        <p14:creationId xmlns:p14="http://schemas.microsoft.com/office/powerpoint/2010/main" val="2292930002"/>
       </p:ext>
     </p:extLst>
   </p:cSld>
@@ -11587,17 +8981,7 @@
           <a:bodyPr/>
           <a:lstStyle/>
           <a:p>
-            <a:r>
-              <a:rPr lang="en-US"/>
-              <a:t>Who is who </a:t>
-            </a:r>
-            <a:r>
-              <a:rPr lang="en-US">
-                <a:sym typeface="Wingdings" panose="05000000000000000000" pitchFamily="2" charset="2"/>
-              </a:rPr>
-              <a:t></a:t>
-            </a:r>
-            <a:endParaRPr lang="en-US"/>
+            <a:endParaRPr lang="en-US" dirty="0"/>
           </a:p>
         </p:txBody>
       </p:sp>
@@ -11681,17 +9065,7 @@
           <a:bodyPr/>
           <a:lstStyle/>
           <a:p>
-            <a:r>
-              <a:rPr lang="en-US"/>
-              <a:t>Who is who </a:t>
-            </a:r>
-            <a:r>
-              <a:rPr lang="en-US">
-                <a:sym typeface="Wingdings" panose="05000000000000000000" pitchFamily="2" charset="2"/>
-              </a:rPr>
-              <a:t></a:t>
-            </a:r>
-            <a:endParaRPr lang="en-US"/>
+            <a:endParaRPr lang="en-US" dirty="0"/>
           </a:p>
         </p:txBody>
       </p:sp>
@@ -11859,22 +9233,6 @@
           <a:bodyPr/>
           <a:lstStyle/>
           <a:p>
-            <a:r>
-              <a:rPr lang="en-US" dirty="0"/>
-              <a:t>Who</a:t>
-            </a:r>
-            <a:r>
-              <a:rPr lang="en-US" baseline="0" dirty="0"/>
-              <a:t> remembers this gentlemen? It was not so long ago this former CEO of Microsoft used to say things like this QUOTE. Or even in a bit shorter form QUOTE. My </a:t>
-            </a:r>
-            <a:r>
-              <a:rPr lang="en-US" baseline="0" dirty="0" err="1"/>
-              <a:t>favourtie</a:t>
-            </a:r>
-            <a:r>
-              <a:rPr lang="en-US" baseline="0" dirty="0"/>
-              <a:t> Quote is like the last one QUOTE. Back those days cross-platform  support was limited to certain products only. But all of a sudden a Linux Liberator appeared…this man NEXT Slide.</a:t>
-            </a:r>
             <a:endParaRPr lang="en-US" dirty="0"/>
           </a:p>
         </p:txBody>
@@ -11973,7 +9331,7 @@
           <a:p>
             <a:fld id="{38EEC551-8CDA-4EB6-89BB-2A86C9F091C8}" type="datetime8">
               <a:rPr lang="en-US" smtClean="0"/>
-              <a:t>8/24/2016 9:53 AM</a:t>
+              <a:t>8/24/2016 2:41 PM</a:t>
             </a:fld>
             <a:endParaRPr lang="en-US" dirty="0"/>
           </a:p>
@@ -12060,14 +9418,7 @@
           <a:bodyPr/>
           <a:lstStyle/>
           <a:p>
-            <a:r>
-              <a:rPr lang="en-US" dirty="0"/>
-              <a:t>An since</a:t>
-            </a:r>
-            <a:r>
-              <a:rPr lang="en-US" baseline="0" dirty="0"/>
-              <a:t> this gentleman came to the throne, everything changed to the opposite. There were covers like this CLICK, or like this CLICK or like this CLICK. Also the Wallpapers changed to some penguin like pictures and finally Microsoft fell definitely in love. But as you can imagine some Windows Admins looked like that (last slide)</a:t>
-            </a:r>
+            <a:endParaRPr lang="en-US" baseline="0" dirty="0"/>
           </a:p>
         </p:txBody>
       </p:sp>
@@ -12165,7 +9516,7 @@
           <a:p>
             <a:fld id="{38EEC551-8CDA-4EB6-89BB-2A86C9F091C8}" type="datetime8">
               <a:rPr lang="en-US" smtClean="0"/>
-              <a:t>8/24/2016 9:53 AM</a:t>
+              <a:t>8/24/2016 2:41 PM</a:t>
             </a:fld>
             <a:endParaRPr lang="en-US" dirty="0"/>
           </a:p>
@@ -12252,38 +9603,7 @@
           <a:bodyPr/>
           <a:lstStyle/>
           <a:p>
-            <a:r>
-              <a:rPr lang="en-US" dirty="0"/>
-              <a:t>There</a:t>
-            </a:r>
-            <a:r>
-              <a:rPr lang="en-US" baseline="0" dirty="0"/>
-              <a:t> was and is an increasing momentum. If we look back in terms of </a:t>
-            </a:r>
-            <a:r>
-              <a:rPr lang="en-US" baseline="0" dirty="0" err="1"/>
-              <a:t>on-premise</a:t>
-            </a:r>
-            <a:r>
-              <a:rPr lang="en-US" baseline="0" dirty="0"/>
-              <a:t> System Center products SCOM was one of the first product </a:t>
-            </a:r>
-            <a:r>
-              <a:rPr lang="en-US" baseline="0" dirty="0" err="1"/>
-              <a:t>havin</a:t>
-            </a:r>
-            <a:r>
-              <a:rPr lang="en-US" baseline="0" dirty="0"/>
-              <a:t> Linux/UNIX support. And the support increase getting JEE support. Almost in parallel </a:t>
-            </a:r>
-            <a:r>
-              <a:rPr lang="en-US" baseline="0" dirty="0" err="1"/>
-              <a:t>ConfigMgr</a:t>
-            </a:r>
-            <a:r>
-              <a:rPr lang="en-US" baseline="0" dirty="0"/>
-              <a:t> supported also cross-platform products in, followed by VMM and DPM and finally there is a yet not finalized MP for Apache and MySQL for SCOM 2016 (at least SCOM 2016 TP2). To get started let’s have an overview how the SCOM agent works.</a:t>
-            </a:r>
+            <a:endParaRPr lang="en-US" baseline="0" dirty="0"/>
           </a:p>
         </p:txBody>
       </p:sp>
@@ -12372,58 +9692,6 @@
         <p:txBody>
           <a:bodyPr/>
           <a:lstStyle/>
-          <a:p>
-            <a:r>
-              <a:rPr lang="en-US" dirty="0"/>
-              <a:t>For those who are not familiar how the Linux agent</a:t>
-            </a:r>
-            <a:r>
-              <a:rPr lang="en-US" baseline="0" dirty="0"/>
-              <a:t> works, here a short overview of the Windows and Linux agent. On the left side there is the management server having SDK service, </a:t>
-            </a:r>
-            <a:r>
-              <a:rPr lang="en-US" baseline="0" dirty="0" err="1"/>
-              <a:t>config</a:t>
-            </a:r>
-            <a:r>
-              <a:rPr lang="en-US" baseline="0" dirty="0"/>
-              <a:t> service and health service. On the right side there is a windows computer having the agent installed. The agent will pull the MPs from the management server, getting all the configuration and the it will start executing the workflows on the agent, running discoveries, rules and monitors and finally sending back the event, state and performance data.</a:t>
-            </a:r>
-          </a:p>
-          <a:p>
-            <a:endParaRPr lang="en-US" baseline="0" dirty="0"/>
-          </a:p>
-          <a:p>
-            <a:r>
-              <a:rPr lang="en-US" baseline="0" dirty="0"/>
-              <a:t>On the Linux side there is a lightweight agent </a:t>
-            </a:r>
-            <a:r>
-              <a:rPr lang="en-US" baseline="0" dirty="0" err="1"/>
-              <a:t>inplace</a:t>
-            </a:r>
-            <a:r>
-              <a:rPr lang="en-US" baseline="0" dirty="0"/>
-              <a:t> a OMI CIM Server which is similar to WMI on Windows. It is a very lightweight agent, which can be extended adding providers. There are two key protocols in place, the first one is SSH it is for agent maintenance like installing / uninstalling, upgrading the agent. There are several authentication </a:t>
-            </a:r>
-            <a:r>
-              <a:rPr lang="en-US" baseline="0" dirty="0" err="1"/>
-              <a:t>ssh</a:t>
-            </a:r>
-            <a:r>
-              <a:rPr lang="en-US" baseline="0" dirty="0"/>
-              <a:t> authentication possible for connecting like SSH key authentication SUDO elevation and SU elevation. Anything else than agent maintenance, like monitoring will use WS-Man (Web Service Management Protocol) a standard SOAP protocol.</a:t>
-            </a:r>
-          </a:p>
-          <a:p>
-            <a:endParaRPr lang="en-US" baseline="0" dirty="0"/>
-          </a:p>
-          <a:p>
-            <a:r>
-              <a:rPr lang="en-US" baseline="0" dirty="0"/>
-              <a:t>If you managed to install the agent, there will be a lot of ways you can monitor your UNIX/Linux computer.</a:t>
-            </a:r>
-          </a:p>
           <a:p>
             <a:endParaRPr lang="en-US" dirty="0"/>
           </a:p>
@@ -22968,6 +20236,85 @@
           <a:chExt cx="0" cy="0"/>
         </a:xfrm>
       </p:grpSpPr>
+      <p:pic>
+        <p:nvPicPr>
+          <p:cNvPr id="3" name="Picture 2"/>
+          <p:cNvPicPr>
+            <a:picLocks noChangeAspect="1"/>
+          </p:cNvPicPr>
+          <p:nvPr/>
+        </p:nvPicPr>
+        <p:blipFill>
+          <a:blip r:embed="rId3"/>
+          <a:stretch>
+            <a:fillRect/>
+          </a:stretch>
+        </p:blipFill>
+        <p:spPr>
+          <a:xfrm>
+            <a:off x="0" y="1131590"/>
+            <a:ext cx="9149266" cy="3620591"/>
+          </a:xfrm>
+          <a:prstGeom prst="rect">
+            <a:avLst/>
+          </a:prstGeom>
+        </p:spPr>
+      </p:pic>
+      <p:sp>
+        <p:nvSpPr>
+          <p:cNvPr id="4" name="Title 3"/>
+          <p:cNvSpPr>
+            <a:spLocks noGrp="1"/>
+          </p:cNvSpPr>
+          <p:nvPr>
+            <p:ph type="title"/>
+          </p:nvPr>
+        </p:nvSpPr>
+        <p:spPr/>
+        <p:txBody>
+          <a:bodyPr/>
+          <a:lstStyle/>
+          <a:p>
+            <a:r>
+              <a:rPr lang="de-CH" dirty="0"/>
+              <a:t>Custom Dashboard</a:t>
+            </a:r>
+          </a:p>
+        </p:txBody>
+      </p:sp>
+    </p:spTree>
+    <p:extLst>
+      <p:ext uri="{BB962C8B-B14F-4D97-AF65-F5344CB8AC3E}">
+        <p14:creationId xmlns:p14="http://schemas.microsoft.com/office/powerpoint/2010/main" val="3544738087"/>
+      </p:ext>
+    </p:extLst>
+  </p:cSld>
+  <p:clrMapOvr>
+    <a:masterClrMapping/>
+  </p:clrMapOvr>
+  <p:transition>
+    <p:fade/>
+  </p:transition>
+</p:sld>
+</file>
+
+<file path=ppt/slides/slide21.xml><?xml version="1.0" encoding="utf-8"?>
+<p:sld xmlns:a="http://schemas.openxmlformats.org/drawingml/2006/main" xmlns:r="http://schemas.openxmlformats.org/officeDocument/2006/relationships" xmlns:p="http://schemas.openxmlformats.org/presentationml/2006/main">
+  <p:cSld>
+    <p:spTree>
+      <p:nvGrpSpPr>
+        <p:cNvPr id="1" name=""/>
+        <p:cNvGrpSpPr/>
+        <p:nvPr/>
+      </p:nvGrpSpPr>
+      <p:grpSpPr>
+        <a:xfrm>
+          <a:off x="0" y="0"/>
+          <a:ext cx="0" cy="0"/>
+          <a:chOff x="0" y="0"/>
+          <a:chExt cx="0" cy="0"/>
+        </a:xfrm>
+      </p:grpSpPr>
       <p:sp>
         <p:nvSpPr>
           <p:cNvPr id="2" name="Titel 1"/>
@@ -23040,7 +20387,7 @@
 </p:sld>
 </file>
 
-<file path=ppt/slides/slide21.xml><?xml version="1.0" encoding="utf-8"?>
+<file path=ppt/slides/slide22.xml><?xml version="1.0" encoding="utf-8"?>
 <p:sld xmlns:a="http://schemas.openxmlformats.org/drawingml/2006/main" xmlns:r="http://schemas.openxmlformats.org/officeDocument/2006/relationships" xmlns:p="http://schemas.openxmlformats.org/presentationml/2006/main">
   <p:cSld>
     <p:spTree>
@@ -23307,7 +20654,7 @@
 </p:sld>
 </file>
 
-<file path=ppt/slides/slide22.xml><?xml version="1.0" encoding="utf-8"?>
+<file path=ppt/slides/slide23.xml><?xml version="1.0" encoding="utf-8"?>
 <p:sld xmlns:a="http://schemas.openxmlformats.org/drawingml/2006/main" xmlns:r="http://schemas.openxmlformats.org/officeDocument/2006/relationships" xmlns:p="http://schemas.openxmlformats.org/presentationml/2006/main">
   <p:cSld>
     <p:spTree>
@@ -23383,85 +20730,6 @@
       </p:transition>
     </mc:Fallback>
   </mc:AlternateContent>
-</p:sld>
-</file>
-
-<file path=ppt/slides/slide23.xml><?xml version="1.0" encoding="utf-8"?>
-<p:sld xmlns:a="http://schemas.openxmlformats.org/drawingml/2006/main" xmlns:r="http://schemas.openxmlformats.org/officeDocument/2006/relationships" xmlns:p="http://schemas.openxmlformats.org/presentationml/2006/main" show="0">
-  <p:cSld>
-    <p:spTree>
-      <p:nvGrpSpPr>
-        <p:cNvPr id="1" name=""/>
-        <p:cNvGrpSpPr/>
-        <p:nvPr/>
-      </p:nvGrpSpPr>
-      <p:grpSpPr>
-        <a:xfrm>
-          <a:off x="0" y="0"/>
-          <a:ext cx="0" cy="0"/>
-          <a:chOff x="0" y="0"/>
-          <a:chExt cx="0" cy="0"/>
-        </a:xfrm>
-      </p:grpSpPr>
-      <p:pic>
-        <p:nvPicPr>
-          <p:cNvPr id="3" name="Picture 2"/>
-          <p:cNvPicPr>
-            <a:picLocks noChangeAspect="1"/>
-          </p:cNvPicPr>
-          <p:nvPr/>
-        </p:nvPicPr>
-        <p:blipFill>
-          <a:blip r:embed="rId3"/>
-          <a:stretch>
-            <a:fillRect/>
-          </a:stretch>
-        </p:blipFill>
-        <p:spPr>
-          <a:xfrm>
-            <a:off x="0" y="1131590"/>
-            <a:ext cx="9149266" cy="3620591"/>
-          </a:xfrm>
-          <a:prstGeom prst="rect">
-            <a:avLst/>
-          </a:prstGeom>
-        </p:spPr>
-      </p:pic>
-      <p:sp>
-        <p:nvSpPr>
-          <p:cNvPr id="4" name="Title 3"/>
-          <p:cNvSpPr>
-            <a:spLocks noGrp="1"/>
-          </p:cNvSpPr>
-          <p:nvPr>
-            <p:ph type="title"/>
-          </p:nvPr>
-        </p:nvSpPr>
-        <p:spPr/>
-        <p:txBody>
-          <a:bodyPr/>
-          <a:lstStyle/>
-          <a:p>
-            <a:r>
-              <a:rPr lang="de-CH" dirty="0"/>
-              <a:t>Custom Dashboard</a:t>
-            </a:r>
-          </a:p>
-        </p:txBody>
-      </p:sp>
-    </p:spTree>
-    <p:extLst>
-      <p:ext uri="{BB962C8B-B14F-4D97-AF65-F5344CB8AC3E}">
-        <p14:creationId xmlns:p14="http://schemas.microsoft.com/office/powerpoint/2010/main" val="3544738087"/>
-      </p:ext>
-    </p:extLst>
-  </p:cSld>
-  <p:clrMapOvr>
-    <a:masterClrMapping/>
-  </p:clrMapOvr>
-  <p:transition>
-    <p:fade/>
-  </p:transition>
 </p:sld>
 </file>
 
@@ -34326,6 +31594,15 @@
 </file>
 
 <file path=customXml/item2.xml><?xml version="1.0" encoding="utf-8"?>
+<?mso-contentType ?>
+<FormTemplates xmlns="http://schemas.microsoft.com/sharepoint/v3/contenttype/forms">
+  <Display>DocumentLibraryForm</Display>
+  <Edit>DocumentLibraryForm</Edit>
+  <New>DocumentLibraryForm</New>
+</FormTemplates>
+</file>
+
+<file path=customXml/item3.xml><?xml version="1.0" encoding="utf-8"?>
 <ct:contentTypeSchema xmlns:ct="http://schemas.microsoft.com/office/2006/metadata/contentType" xmlns:ma="http://schemas.microsoft.com/office/2006/metadata/properties/metaAttributes" ct:_="" ma:_="" ma:contentTypeName="Dokument" ma:contentTypeID="0x010100AFE6CDE7E8D3854299588C462EE7158C" ma:contentTypeVersion="0" ma:contentTypeDescription="Ein neues Dokument erstellen." ma:contentTypeScope="" ma:versionID="0149c9c28cf33bab5520f985629d591a">
   <xsd:schema xmlns:xsd="http://www.w3.org/2001/XMLSchema" xmlns:xs="http://www.w3.org/2001/XMLSchema" xmlns:p="http://schemas.microsoft.com/office/2006/metadata/properties" targetNamespace="http://schemas.microsoft.com/office/2006/metadata/properties" ma:root="true" ma:fieldsID="3a3c5d5d24c77b3bb7d005d3ee4c8b6d">
     <xsd:element name="properties">
@@ -34439,15 +31716,6 @@
 </ct:contentTypeSchema>
 </file>
 
-<file path=customXml/item3.xml><?xml version="1.0" encoding="utf-8"?>
-<?mso-contentType ?>
-<FormTemplates xmlns="http://schemas.microsoft.com/sharepoint/v3/contenttype/forms">
-  <Display>DocumentLibraryForm</Display>
-  <Edit>DocumentLibraryForm</Edit>
-  <New>DocumentLibraryForm</New>
-</FormTemplates>
-</file>
-
 <file path=customXml/itemProps1.xml><?xml version="1.0" encoding="utf-8"?>
 <ds:datastoreItem xmlns:ds="http://schemas.openxmlformats.org/officeDocument/2006/customXml" ds:itemID="{B443EF43-B44D-49D4-8B6A-6AB10D8F3513}">
   <ds:schemaRefs>
@@ -34464,6 +31732,14 @@
 </file>
 
 <file path=customXml/itemProps2.xml><?xml version="1.0" encoding="utf-8"?>
+<ds:datastoreItem xmlns:ds="http://schemas.openxmlformats.org/officeDocument/2006/customXml" ds:itemID="{56D0F3EA-E864-41FC-BEFD-8F5B4739EE3D}">
+  <ds:schemaRefs>
+    <ds:schemaRef ds:uri="http://schemas.microsoft.com/sharepoint/v3/contenttype/forms"/>
+  </ds:schemaRefs>
+</ds:datastoreItem>
+</file>
+
+<file path=customXml/itemProps3.xml><?xml version="1.0" encoding="utf-8"?>
 <ds:datastoreItem xmlns:ds="http://schemas.openxmlformats.org/officeDocument/2006/customXml" ds:itemID="{09DDFF30-BB42-42AA-B10E-FC1133A7C483}">
   <ds:schemaRefs>
     <ds:schemaRef ds:uri="http://schemas.microsoft.com/office/2006/metadata/contentType"/>
@@ -34477,12 +31753,4 @@
     <ds:schemaRef ds:uri="http://schemas.microsoft.com/office/infopath/2007/PartnerControls"/>
   </ds:schemaRefs>
 </ds:datastoreItem>
-</file>
-
-<file path=customXml/itemProps3.xml><?xml version="1.0" encoding="utf-8"?>
-<ds:datastoreItem xmlns:ds="http://schemas.openxmlformats.org/officeDocument/2006/customXml" ds:itemID="{56D0F3EA-E864-41FC-BEFD-8F5B4739EE3D}">
-  <ds:schemaRefs>
-    <ds:schemaRef ds:uri="http://schemas.microsoft.com/sharepoint/v3/contenttype/forms"/>
-  </ds:schemaRefs>
-</ds:datastoreItem>
 </file>